--- a/Documents/기획/시스템기획/게임플레이기획_시스템.pptx
+++ b/Documents/기획/시스템기획/게임플레이기획_시스템.pptx
@@ -265,7 +265,7 @@
           <a:p>
             <a:fld id="{CFCD1C0C-1AC4-42DA-846F-D3FF8DFDBDBE}" type="datetimeFigureOut">
               <a:rPr lang="ko-KR" altLang="en-US" smtClean="0"/>
-              <a:t>2017-03-18</a:t>
+              <a:t>2017-03-28</a:t>
             </a:fld>
             <a:endParaRPr lang="ko-KR" altLang="en-US"/>
           </a:p>
@@ -435,7 +435,7 @@
           <a:p>
             <a:fld id="{CFCD1C0C-1AC4-42DA-846F-D3FF8DFDBDBE}" type="datetimeFigureOut">
               <a:rPr lang="ko-KR" altLang="en-US" smtClean="0"/>
-              <a:t>2017-03-18</a:t>
+              <a:t>2017-03-28</a:t>
             </a:fld>
             <a:endParaRPr lang="ko-KR" altLang="en-US"/>
           </a:p>
@@ -615,7 +615,7 @@
           <a:p>
             <a:fld id="{CFCD1C0C-1AC4-42DA-846F-D3FF8DFDBDBE}" type="datetimeFigureOut">
               <a:rPr lang="ko-KR" altLang="en-US" smtClean="0"/>
-              <a:t>2017-03-18</a:t>
+              <a:t>2017-03-28</a:t>
             </a:fld>
             <a:endParaRPr lang="ko-KR" altLang="en-US"/>
           </a:p>
@@ -785,7 +785,7 @@
           <a:p>
             <a:fld id="{CFCD1C0C-1AC4-42DA-846F-D3FF8DFDBDBE}" type="datetimeFigureOut">
               <a:rPr lang="ko-KR" altLang="en-US" smtClean="0"/>
-              <a:t>2017-03-18</a:t>
+              <a:t>2017-03-28</a:t>
             </a:fld>
             <a:endParaRPr lang="ko-KR" altLang="en-US"/>
           </a:p>
@@ -1031,7 +1031,7 @@
           <a:p>
             <a:fld id="{CFCD1C0C-1AC4-42DA-846F-D3FF8DFDBDBE}" type="datetimeFigureOut">
               <a:rPr lang="ko-KR" altLang="en-US" smtClean="0"/>
-              <a:t>2017-03-18</a:t>
+              <a:t>2017-03-28</a:t>
             </a:fld>
             <a:endParaRPr lang="ko-KR" altLang="en-US"/>
           </a:p>
@@ -1263,7 +1263,7 @@
           <a:p>
             <a:fld id="{CFCD1C0C-1AC4-42DA-846F-D3FF8DFDBDBE}" type="datetimeFigureOut">
               <a:rPr lang="ko-KR" altLang="en-US" smtClean="0"/>
-              <a:t>2017-03-18</a:t>
+              <a:t>2017-03-28</a:t>
             </a:fld>
             <a:endParaRPr lang="ko-KR" altLang="en-US"/>
           </a:p>
@@ -1630,7 +1630,7 @@
           <a:p>
             <a:fld id="{CFCD1C0C-1AC4-42DA-846F-D3FF8DFDBDBE}" type="datetimeFigureOut">
               <a:rPr lang="ko-KR" altLang="en-US" smtClean="0"/>
-              <a:t>2017-03-18</a:t>
+              <a:t>2017-03-28</a:t>
             </a:fld>
             <a:endParaRPr lang="ko-KR" altLang="en-US"/>
           </a:p>
@@ -1748,7 +1748,7 @@
           <a:p>
             <a:fld id="{CFCD1C0C-1AC4-42DA-846F-D3FF8DFDBDBE}" type="datetimeFigureOut">
               <a:rPr lang="ko-KR" altLang="en-US" smtClean="0"/>
-              <a:t>2017-03-18</a:t>
+              <a:t>2017-03-28</a:t>
             </a:fld>
             <a:endParaRPr lang="ko-KR" altLang="en-US"/>
           </a:p>
@@ -1843,7 +1843,7 @@
           <a:p>
             <a:fld id="{CFCD1C0C-1AC4-42DA-846F-D3FF8DFDBDBE}" type="datetimeFigureOut">
               <a:rPr lang="ko-KR" altLang="en-US" smtClean="0"/>
-              <a:t>2017-03-18</a:t>
+              <a:t>2017-03-28</a:t>
             </a:fld>
             <a:endParaRPr lang="ko-KR" altLang="en-US"/>
           </a:p>
@@ -2120,7 +2120,7 @@
           <a:p>
             <a:fld id="{CFCD1C0C-1AC4-42DA-846F-D3FF8DFDBDBE}" type="datetimeFigureOut">
               <a:rPr lang="ko-KR" altLang="en-US" smtClean="0"/>
-              <a:t>2017-03-18</a:t>
+              <a:t>2017-03-28</a:t>
             </a:fld>
             <a:endParaRPr lang="ko-KR" altLang="en-US"/>
           </a:p>
@@ -2373,7 +2373,7 @@
           <a:p>
             <a:fld id="{CFCD1C0C-1AC4-42DA-846F-D3FF8DFDBDBE}" type="datetimeFigureOut">
               <a:rPr lang="ko-KR" altLang="en-US" smtClean="0"/>
-              <a:t>2017-03-18</a:t>
+              <a:t>2017-03-28</a:t>
             </a:fld>
             <a:endParaRPr lang="ko-KR" altLang="en-US"/>
           </a:p>
@@ -2586,7 +2586,7 @@
           <a:p>
             <a:fld id="{CFCD1C0C-1AC4-42DA-846F-D3FF8DFDBDBE}" type="datetimeFigureOut">
               <a:rPr lang="ko-KR" altLang="en-US" smtClean="0"/>
-              <a:t>2017-03-18</a:t>
+              <a:t>2017-03-28</a:t>
             </a:fld>
             <a:endParaRPr lang="ko-KR" altLang="en-US"/>
           </a:p>
@@ -6347,7 +6347,6 @@
               <a:rPr lang="en-US" altLang="ko-KR" dirty="0" smtClean="0"/>
               <a:t>.</a:t>
             </a:r>
-            <a:endParaRPr lang="en-US" altLang="ko-KR" dirty="0" smtClean="0"/>
           </a:p>
           <a:p>
             <a:endParaRPr lang="en-US" altLang="ko-KR" dirty="0" smtClean="0"/>
@@ -6381,7 +6380,6 @@
               <a:rPr lang="en-US" altLang="ko-KR" dirty="0" smtClean="0"/>
               <a:t>?</a:t>
             </a:r>
-            <a:endParaRPr lang="en-US" altLang="ko-KR" dirty="0" smtClean="0"/>
           </a:p>
           <a:p>
             <a:r>
@@ -7077,7 +7075,55 @@
                   <a:srgbClr val="FF0000"/>
                 </a:solidFill>
               </a:rPr>
-              <a:t>가지고 다닐 수 있는 오브젝트가 있을까</a:t>
+              <a:t>가지고 다닐 수 </a:t>
+            </a:r>
+            <a:r>
+              <a:rPr lang="ko-KR" altLang="en-US" dirty="0" smtClean="0">
+                <a:solidFill>
+                  <a:srgbClr val="FF0000"/>
+                </a:solidFill>
+              </a:rPr>
+              <a:t>있는</a:t>
+            </a:r>
+            <a:r>
+              <a:rPr lang="en-US" altLang="ko-KR" dirty="0" smtClean="0">
+                <a:solidFill>
+                  <a:srgbClr val="FF0000"/>
+                </a:solidFill>
+              </a:rPr>
+              <a:t>(</a:t>
+            </a:r>
+            <a:r>
+              <a:rPr lang="ko-KR" altLang="en-US" dirty="0" smtClean="0">
+                <a:solidFill>
+                  <a:srgbClr val="FF0000"/>
+                </a:solidFill>
+              </a:rPr>
+              <a:t>손에 들고 있는</a:t>
+            </a:r>
+            <a:r>
+              <a:rPr lang="en-US" altLang="ko-KR" dirty="0" smtClean="0">
+                <a:solidFill>
+                  <a:srgbClr val="FF0000"/>
+                </a:solidFill>
+              </a:rPr>
+              <a:t>)</a:t>
+            </a:r>
+            <a:r>
+              <a:rPr lang="ko-KR" altLang="en-US" dirty="0" smtClean="0">
+                <a:solidFill>
+                  <a:srgbClr val="FF0000"/>
+                </a:solidFill>
+              </a:rPr>
+              <a:t> </a:t>
+            </a:r>
+            <a:r>
+              <a:rPr lang="ko-KR" altLang="en-US" dirty="0" smtClean="0">
+                <a:solidFill>
+                  <a:srgbClr val="FF0000"/>
+                </a:solidFill>
+              </a:rPr>
+              <a:t>오브젝트가 있을까</a:t>
             </a:r>
             <a:r>
               <a:rPr lang="en-US" altLang="ko-KR" dirty="0" smtClean="0">
@@ -7095,6 +7141,88 @@
               </a:rPr>
               <a:t>있다</a:t>
             </a:r>
+            <a:r>
+              <a:rPr lang="en-US" altLang="ko-KR" dirty="0" smtClean="0">
+                <a:solidFill>
+                  <a:srgbClr val="FF0000"/>
+                </a:solidFill>
+              </a:rPr>
+              <a:t>, </a:t>
+            </a:r>
+            <a:r>
+              <a:rPr lang="ko-KR" altLang="en-US" dirty="0" smtClean="0">
+                <a:solidFill>
+                  <a:srgbClr val="FF0000"/>
+                </a:solidFill>
+              </a:rPr>
+              <a:t>시간 </a:t>
+            </a:r>
+            <a:r>
+              <a:rPr lang="ko-KR" altLang="en-US" dirty="0" err="1" smtClean="0">
+                <a:solidFill>
+                  <a:srgbClr val="FF0000"/>
+                </a:solidFill>
+              </a:rPr>
+              <a:t>스위칭을</a:t>
+            </a:r>
+            <a:r>
+              <a:rPr lang="ko-KR" altLang="en-US" dirty="0" smtClean="0">
+                <a:solidFill>
+                  <a:srgbClr val="FF0000"/>
+                </a:solidFill>
+              </a:rPr>
+              <a:t> 하면 오브젝트는 따라 온다</a:t>
+            </a:r>
+            <a:r>
+              <a:rPr lang="en-US" altLang="ko-KR" dirty="0" smtClean="0">
+                <a:solidFill>
+                  <a:srgbClr val="FF0000"/>
+                </a:solidFill>
+              </a:rPr>
+              <a:t>.</a:t>
+            </a:r>
+          </a:p>
+          <a:p>
+            <a:r>
+              <a:rPr lang="ko-KR" altLang="en-US" dirty="0" err="1" smtClean="0">
+                <a:solidFill>
+                  <a:srgbClr val="FF0000"/>
+                </a:solidFill>
+              </a:rPr>
+              <a:t>인벤토리에</a:t>
+            </a:r>
+            <a:r>
+              <a:rPr lang="ko-KR" altLang="en-US" dirty="0" smtClean="0">
+                <a:solidFill>
+                  <a:srgbClr val="FF0000"/>
+                </a:solidFill>
+              </a:rPr>
+              <a:t> 저장하는 오브젝트가 있다</a:t>
+            </a:r>
+            <a:r>
+              <a:rPr lang="en-US" altLang="ko-KR" dirty="0" smtClean="0">
+                <a:solidFill>
+                  <a:srgbClr val="FF0000"/>
+                </a:solidFill>
+              </a:rPr>
+              <a:t>. </a:t>
+            </a:r>
+            <a:r>
+              <a:rPr lang="ko-KR" altLang="en-US" dirty="0" smtClean="0">
+                <a:solidFill>
+                  <a:srgbClr val="FF0000"/>
+                </a:solidFill>
+              </a:rPr>
+              <a:t>이 오브젝트 들은 데이터로 존재하고 한 번 얻으면 사라지지 않는다</a:t>
+            </a:r>
+            <a:r>
+              <a:rPr lang="en-US" altLang="ko-KR" smtClean="0">
+                <a:solidFill>
+                  <a:srgbClr val="FF0000"/>
+                </a:solidFill>
+              </a:rPr>
+              <a:t>.</a:t>
+            </a:r>
             <a:endParaRPr lang="en-US" altLang="ko-KR" dirty="0" smtClean="0">
               <a:solidFill>
                 <a:srgbClr val="FF0000"/>
@@ -7134,6 +7262,9 @@
               <a:rPr lang="en-US" altLang="ko-KR" dirty="0" smtClean="0"/>
               <a:t>)</a:t>
             </a:r>
+          </a:p>
+          <a:p>
+            <a:endParaRPr lang="en-US" altLang="ko-KR" b="1" dirty="0" smtClean="0"/>
           </a:p>
         </p:txBody>
       </p:sp>
@@ -7385,6 +7516,67 @@
                                           <p:spTgt spid="3">
                                             <p:txEl>
                                               <p:pRg st="3" end="3"/>
+                                            </p:txEl>
+                                          </p:spTgt>
+                                        </p:tgtEl>
+                                      </p:cBhvr>
+                                    </p:animEffect>
+                                  </p:childTnLst>
+                                </p:cTn>
+                              </p:par>
+                            </p:childTnLst>
+                          </p:cTn>
+                        </p:par>
+                      </p:childTnLst>
+                    </p:cTn>
+                  </p:par>
+                  <p:par>
+                    <p:cTn id="23" fill="hold">
+                      <p:stCondLst>
+                        <p:cond delay="indefinite"/>
+                      </p:stCondLst>
+                      <p:childTnLst>
+                        <p:par>
+                          <p:cTn id="24" fill="hold">
+                            <p:stCondLst>
+                              <p:cond delay="0"/>
+                            </p:stCondLst>
+                            <p:childTnLst>
+                              <p:par>
+                                <p:cTn id="25" presetID="10" presetClass="entr" presetSubtype="0" fill="hold" grpId="0" nodeType="clickEffect">
+                                  <p:stCondLst>
+                                    <p:cond delay="0"/>
+                                  </p:stCondLst>
+                                  <p:childTnLst>
+                                    <p:set>
+                                      <p:cBhvr>
+                                        <p:cTn id="26" dur="1" fill="hold">
+                                          <p:stCondLst>
+                                            <p:cond delay="0"/>
+                                          </p:stCondLst>
+                                        </p:cTn>
+                                        <p:tgtEl>
+                                          <p:spTgt spid="3">
+                                            <p:txEl>
+                                              <p:pRg st="4" end="4"/>
+                                            </p:txEl>
+                                          </p:spTgt>
+                                        </p:tgtEl>
+                                        <p:attrNameLst>
+                                          <p:attrName>style.visibility</p:attrName>
+                                        </p:attrNameLst>
+                                      </p:cBhvr>
+                                      <p:to>
+                                        <p:strVal val="visible"/>
+                                      </p:to>
+                                    </p:set>
+                                    <p:animEffect transition="in" filter="fade">
+                                      <p:cBhvr>
+                                        <p:cTn id="27" dur="500"/>
+                                        <p:tgtEl>
+                                          <p:spTgt spid="3">
+                                            <p:txEl>
+                                              <p:pRg st="4" end="4"/>
                                             </p:txEl>
                                           </p:spTgt>
                                         </p:tgtEl>
@@ -7508,7 +7700,6 @@
               <a:rPr lang="en-US" altLang="ko-KR" dirty="0" smtClean="0"/>
               <a:t>.</a:t>
             </a:r>
-            <a:endParaRPr lang="en-US" altLang="ko-KR" dirty="0" smtClean="0"/>
           </a:p>
           <a:p>
             <a:r>

--- a/Documents/기획/시스템기획/게임플레이기획_시스템.pptx
+++ b/Documents/기획/시스템기획/게임플레이기획_시스템.pptx
@@ -14,9 +14,8 @@
     <p:sldId id="268" r:id="rId8"/>
     <p:sldId id="258" r:id="rId9"/>
     <p:sldId id="265" r:id="rId10"/>
-    <p:sldId id="263" r:id="rId11"/>
-    <p:sldId id="266" r:id="rId12"/>
-    <p:sldId id="267" r:id="rId13"/>
+    <p:sldId id="267" r:id="rId11"/>
+    <p:sldId id="269" r:id="rId12"/>
   </p:sldIdLst>
   <p:sldSz cx="12192000" cy="6858000"/>
   <p:notesSz cx="6858000" cy="9144000"/>
@@ -265,7 +264,7 @@
           <a:p>
             <a:fld id="{CFCD1C0C-1AC4-42DA-846F-D3FF8DFDBDBE}" type="datetimeFigureOut">
               <a:rPr lang="ko-KR" altLang="en-US" smtClean="0"/>
-              <a:t>2017-03-28</a:t>
+              <a:t>2017-04-02</a:t>
             </a:fld>
             <a:endParaRPr lang="ko-KR" altLang="en-US"/>
           </a:p>
@@ -435,7 +434,7 @@
           <a:p>
             <a:fld id="{CFCD1C0C-1AC4-42DA-846F-D3FF8DFDBDBE}" type="datetimeFigureOut">
               <a:rPr lang="ko-KR" altLang="en-US" smtClean="0"/>
-              <a:t>2017-03-28</a:t>
+              <a:t>2017-04-02</a:t>
             </a:fld>
             <a:endParaRPr lang="ko-KR" altLang="en-US"/>
           </a:p>
@@ -615,7 +614,7 @@
           <a:p>
             <a:fld id="{CFCD1C0C-1AC4-42DA-846F-D3FF8DFDBDBE}" type="datetimeFigureOut">
               <a:rPr lang="ko-KR" altLang="en-US" smtClean="0"/>
-              <a:t>2017-03-28</a:t>
+              <a:t>2017-04-02</a:t>
             </a:fld>
             <a:endParaRPr lang="ko-KR" altLang="en-US"/>
           </a:p>
@@ -785,7 +784,7 @@
           <a:p>
             <a:fld id="{CFCD1C0C-1AC4-42DA-846F-D3FF8DFDBDBE}" type="datetimeFigureOut">
               <a:rPr lang="ko-KR" altLang="en-US" smtClean="0"/>
-              <a:t>2017-03-28</a:t>
+              <a:t>2017-04-02</a:t>
             </a:fld>
             <a:endParaRPr lang="ko-KR" altLang="en-US"/>
           </a:p>
@@ -1031,7 +1030,7 @@
           <a:p>
             <a:fld id="{CFCD1C0C-1AC4-42DA-846F-D3FF8DFDBDBE}" type="datetimeFigureOut">
               <a:rPr lang="ko-KR" altLang="en-US" smtClean="0"/>
-              <a:t>2017-03-28</a:t>
+              <a:t>2017-04-02</a:t>
             </a:fld>
             <a:endParaRPr lang="ko-KR" altLang="en-US"/>
           </a:p>
@@ -1263,7 +1262,7 @@
           <a:p>
             <a:fld id="{CFCD1C0C-1AC4-42DA-846F-D3FF8DFDBDBE}" type="datetimeFigureOut">
               <a:rPr lang="ko-KR" altLang="en-US" smtClean="0"/>
-              <a:t>2017-03-28</a:t>
+              <a:t>2017-04-02</a:t>
             </a:fld>
             <a:endParaRPr lang="ko-KR" altLang="en-US"/>
           </a:p>
@@ -1630,7 +1629,7 @@
           <a:p>
             <a:fld id="{CFCD1C0C-1AC4-42DA-846F-D3FF8DFDBDBE}" type="datetimeFigureOut">
               <a:rPr lang="ko-KR" altLang="en-US" smtClean="0"/>
-              <a:t>2017-03-28</a:t>
+              <a:t>2017-04-02</a:t>
             </a:fld>
             <a:endParaRPr lang="ko-KR" altLang="en-US"/>
           </a:p>
@@ -1748,7 +1747,7 @@
           <a:p>
             <a:fld id="{CFCD1C0C-1AC4-42DA-846F-D3FF8DFDBDBE}" type="datetimeFigureOut">
               <a:rPr lang="ko-KR" altLang="en-US" smtClean="0"/>
-              <a:t>2017-03-28</a:t>
+              <a:t>2017-04-02</a:t>
             </a:fld>
             <a:endParaRPr lang="ko-KR" altLang="en-US"/>
           </a:p>
@@ -1843,7 +1842,7 @@
           <a:p>
             <a:fld id="{CFCD1C0C-1AC4-42DA-846F-D3FF8DFDBDBE}" type="datetimeFigureOut">
               <a:rPr lang="ko-KR" altLang="en-US" smtClean="0"/>
-              <a:t>2017-03-28</a:t>
+              <a:t>2017-04-02</a:t>
             </a:fld>
             <a:endParaRPr lang="ko-KR" altLang="en-US"/>
           </a:p>
@@ -2120,7 +2119,7 @@
           <a:p>
             <a:fld id="{CFCD1C0C-1AC4-42DA-846F-D3FF8DFDBDBE}" type="datetimeFigureOut">
               <a:rPr lang="ko-KR" altLang="en-US" smtClean="0"/>
-              <a:t>2017-03-28</a:t>
+              <a:t>2017-04-02</a:t>
             </a:fld>
             <a:endParaRPr lang="ko-KR" altLang="en-US"/>
           </a:p>
@@ -2373,7 +2372,7 @@
           <a:p>
             <a:fld id="{CFCD1C0C-1AC4-42DA-846F-D3FF8DFDBDBE}" type="datetimeFigureOut">
               <a:rPr lang="ko-KR" altLang="en-US" smtClean="0"/>
-              <a:t>2017-03-28</a:t>
+              <a:t>2017-04-02</a:t>
             </a:fld>
             <a:endParaRPr lang="ko-KR" altLang="en-US"/>
           </a:p>
@@ -2586,7 +2585,7 @@
           <a:p>
             <a:fld id="{CFCD1C0C-1AC4-42DA-846F-D3FF8DFDBDBE}" type="datetimeFigureOut">
               <a:rPr lang="ko-KR" altLang="en-US" smtClean="0"/>
-              <a:t>2017-03-28</a:t>
+              <a:t>2017-04-02</a:t>
             </a:fld>
             <a:endParaRPr lang="ko-KR" altLang="en-US"/>
           </a:p>
@@ -3091,11 +3090,15 @@
           <a:p>
             <a:r>
               <a:rPr lang="ko-KR" altLang="en-US" dirty="0" smtClean="0"/>
-              <a:t>그렇다면 어떤 식의 게임 플레이가 만들어질 것인가</a:t>
+              <a:t>게임 용어 정리 </a:t>
             </a:r>
             <a:r>
               <a:rPr lang="en-US" altLang="ko-KR" dirty="0" smtClean="0"/>
-              <a:t>?</a:t>
+              <a:t>- </a:t>
+            </a:r>
+            <a:r>
+              <a:rPr lang="ko-KR" altLang="en-US" dirty="0" smtClean="0"/>
+              <a:t>오브젝트</a:t>
             </a:r>
             <a:endParaRPr lang="ko-KR" altLang="en-US" dirty="0"/>
           </a:p>
@@ -3117,23 +3120,162 @@
           <a:lstStyle/>
           <a:p>
             <a:r>
-              <a:rPr lang="ko-KR" altLang="en-US" dirty="0" smtClean="0"/>
-              <a:t>과거에서 문을 열고 현재에서 통과하는 게임 플레이</a:t>
-            </a:r>
-            <a:endParaRPr lang="en-US" altLang="ko-KR" dirty="0" smtClean="0"/>
-          </a:p>
-          <a:p>
+              <a:rPr lang="ko-KR" altLang="en-US" dirty="0" smtClean="0">
+                <a:solidFill>
+                  <a:srgbClr val="FF0000"/>
+                </a:solidFill>
+              </a:rPr>
+              <a:t>상호작용 오브젝트</a:t>
+            </a:r>
+            <a:r>
+              <a:rPr lang="en-US" altLang="ko-KR" dirty="0" smtClean="0"/>
+              <a:t>(</a:t>
+            </a:r>
+            <a:r>
+              <a:rPr lang="ko-KR" altLang="en-US" dirty="0" smtClean="0"/>
+              <a:t>들을 수 있는 드럼통</a:t>
+            </a:r>
+            <a:r>
+              <a:rPr lang="en-US" altLang="ko-KR" dirty="0" smtClean="0"/>
+              <a:t>, </a:t>
+            </a:r>
+            <a:r>
+              <a:rPr lang="ko-KR" altLang="en-US" dirty="0" smtClean="0"/>
+              <a:t>벽에 붙은 사다리</a:t>
+            </a:r>
+            <a:r>
+              <a:rPr lang="en-US" altLang="ko-KR" dirty="0" smtClean="0"/>
+              <a:t>, </a:t>
+            </a:r>
             <a:r>
               <a:rPr lang="ko-KR" altLang="en-US" dirty="0" err="1" smtClean="0"/>
-              <a:t>더더더더더더더더</a:t>
-            </a:r>
-            <a:r>
-              <a:rPr lang="ko-KR" altLang="en-US" dirty="0" smtClean="0"/>
+              <a:t>레이어를</a:t>
+            </a:r>
+            <a:r>
+              <a:rPr lang="ko-KR" altLang="en-US" dirty="0" smtClean="0"/>
+              <a:t> 나눠야 한다</a:t>
+            </a:r>
+            <a:r>
+              <a:rPr lang="en-US" altLang="ko-KR" dirty="0" smtClean="0"/>
+              <a:t>.)</a:t>
+            </a:r>
+          </a:p>
+          <a:p>
+            <a:r>
+              <a:rPr lang="ko-KR" altLang="en-US" dirty="0" smtClean="0">
+                <a:solidFill>
+                  <a:srgbClr val="FF0000"/>
+                </a:solidFill>
+              </a:rPr>
+              <a:t>지형</a:t>
+            </a:r>
+            <a:r>
+              <a:rPr lang="en-US" altLang="ko-KR" dirty="0" smtClean="0"/>
+              <a:t>(</a:t>
+            </a:r>
+            <a:r>
+              <a:rPr lang="ko-KR" altLang="en-US" dirty="0" smtClean="0"/>
+              <a:t>검은 색 땅</a:t>
+            </a:r>
+            <a:r>
+              <a:rPr lang="en-US" altLang="ko-KR" dirty="0" smtClean="0"/>
+              <a:t>, </a:t>
+            </a:r>
+            <a:r>
+              <a:rPr lang="ko-KR" altLang="en-US" dirty="0" smtClean="0"/>
+              <a:t>과거와 현재가 똑같다</a:t>
+            </a:r>
+            <a:r>
+              <a:rPr lang="en-US" altLang="ko-KR" dirty="0" smtClean="0"/>
+              <a:t>, </a:t>
+            </a:r>
+            <a:r>
+              <a:rPr lang="ko-KR" altLang="en-US" dirty="0" smtClean="0"/>
+              <a:t>즉 </a:t>
+            </a:r>
+            <a:r>
+              <a:rPr lang="ko-KR" altLang="en-US" dirty="0" err="1" smtClean="0"/>
+              <a:t>레이어를</a:t>
+            </a:r>
+            <a:r>
+              <a:rPr lang="ko-KR" altLang="en-US" dirty="0" smtClean="0"/>
+              <a:t> 나눠서 만들지 않는다</a:t>
+            </a:r>
+            <a:r>
+              <a:rPr lang="en-US" altLang="ko-KR" dirty="0" smtClean="0"/>
+              <a:t>.)</a:t>
+            </a:r>
+          </a:p>
+          <a:p>
+            <a:r>
+              <a:rPr lang="ko-KR" altLang="en-US" dirty="0" smtClean="0">
+                <a:solidFill>
+                  <a:srgbClr val="FF0000"/>
+                </a:solidFill>
+              </a:rPr>
+              <a:t>구조물 오브젝트</a:t>
+            </a:r>
+            <a:r>
+              <a:rPr lang="en-US" altLang="ko-KR" dirty="0" smtClean="0"/>
+              <a:t>(</a:t>
+            </a:r>
+            <a:r>
+              <a:rPr lang="ko-KR" altLang="en-US" dirty="0" smtClean="0"/>
+              <a:t>통과할 수 없는 드럼통</a:t>
+            </a:r>
+            <a:r>
+              <a:rPr lang="en-US" altLang="ko-KR" dirty="0" smtClean="0"/>
+              <a:t>, </a:t>
+            </a:r>
+            <a:r>
+              <a:rPr lang="ko-KR" altLang="en-US" dirty="0" err="1"/>
+              <a:t>레이어를</a:t>
+            </a:r>
+            <a:r>
+              <a:rPr lang="ko-KR" altLang="en-US" dirty="0"/>
               <a:t> </a:t>
             </a:r>
             <a:r>
+              <a:rPr lang="ko-KR" altLang="en-US" dirty="0" smtClean="0"/>
+              <a:t>나눠야 한다</a:t>
+            </a:r>
+            <a:r>
+              <a:rPr lang="en-US" altLang="ko-KR" dirty="0" smtClean="0"/>
+              <a:t>, </a:t>
+            </a:r>
+            <a:r>
+              <a:rPr lang="ko-KR" altLang="en-US" dirty="0" smtClean="0"/>
+              <a:t>플레이어와 충돌하고 있는 상태에서는 그 시간대로 이동할 수 없게 한다</a:t>
+            </a:r>
+            <a:r>
+              <a:rPr lang="en-US" altLang="ko-KR" dirty="0" smtClean="0"/>
+              <a:t>.)</a:t>
+            </a:r>
+          </a:p>
+          <a:p>
+            <a:r>
+              <a:rPr lang="ko-KR" altLang="en-US" dirty="0" smtClean="0">
+                <a:solidFill>
+                  <a:srgbClr val="FF0000"/>
+                </a:solidFill>
+              </a:rPr>
+              <a:t>아이템 오브젝트</a:t>
+            </a:r>
+            <a:r>
+              <a:rPr lang="en-US" altLang="ko-KR" dirty="0" smtClean="0"/>
+              <a:t>(</a:t>
+            </a:r>
+            <a:r>
               <a:rPr lang="ko-KR" altLang="en-US" dirty="0" err="1" smtClean="0"/>
-              <a:t>생각해야함</a:t>
+              <a:t>레이어를</a:t>
+            </a:r>
+            <a:r>
+              <a:rPr lang="ko-KR" altLang="en-US" dirty="0" smtClean="0"/>
+              <a:t> 나눠야 한다</a:t>
+            </a:r>
+            <a:r>
+              <a:rPr lang="en-US" altLang="ko-KR" dirty="0" smtClean="0"/>
+              <a:t>.)</a:t>
             </a:r>
             <a:endParaRPr lang="ko-KR" altLang="en-US" dirty="0"/>
           </a:p>
@@ -3142,7 +3284,7 @@
     </p:spTree>
     <p:extLst>
       <p:ext uri="{BB962C8B-B14F-4D97-AF65-F5344CB8AC3E}">
-        <p14:creationId xmlns:p14="http://schemas.microsoft.com/office/powerpoint/2010/main" val="1144766482"/>
+        <p14:creationId xmlns:p14="http://schemas.microsoft.com/office/powerpoint/2010/main" val="950097735"/>
       </p:ext>
     </p:extLst>
   </p:cSld>
@@ -3192,12 +3334,20 @@
           <a:lstStyle/>
           <a:p>
             <a:r>
+              <a:rPr lang="ko-KR" altLang="en-US" dirty="0" smtClean="0"/>
+              <a:t>게임 용어 정리 </a:t>
+            </a:r>
+            <a:r>
+              <a:rPr lang="en-US" altLang="ko-KR" dirty="0" smtClean="0"/>
+              <a:t>– </a:t>
+            </a:r>
+            <a:r>
               <a:rPr lang="ko-KR" altLang="en-US" dirty="0" err="1" smtClean="0"/>
-              <a:t>유니티</a:t>
-            </a:r>
-            <a:r>
-              <a:rPr lang="ko-KR" altLang="en-US" dirty="0" smtClean="0"/>
-              <a:t> 프로그래밍에 대해서</a:t>
+              <a:t>케릭터</a:t>
+            </a:r>
+            <a:r>
+              <a:rPr lang="ko-KR" altLang="en-US" dirty="0" smtClean="0"/>
+              <a:t> 행동</a:t>
             </a:r>
             <a:endParaRPr lang="ko-KR" altLang="en-US" dirty="0"/>
           </a:p>
@@ -3215,114 +3365,222 @@
         </p:nvSpPr>
         <p:spPr/>
         <p:txBody>
-          <a:bodyPr/>
+          <a:bodyPr>
+            <a:normAutofit fontScale="92500" lnSpcReduction="10000"/>
+          </a:bodyPr>
           <a:lstStyle/>
           <a:p>
             <a:r>
-              <a:rPr lang="ko-KR" altLang="en-US" dirty="0" smtClean="0"/>
-              <a:t>클래스 구조</a:t>
-            </a:r>
-            <a:endParaRPr lang="en-US" altLang="ko-KR" dirty="0" smtClean="0"/>
-          </a:p>
-          <a:p>
-            <a:r>
-              <a:rPr lang="ko-KR" altLang="en-US" dirty="0" smtClean="0"/>
-              <a:t>게임 루틴 예상</a:t>
-            </a:r>
-            <a:endParaRPr lang="en-US" altLang="ko-KR" dirty="0" smtClean="0"/>
-          </a:p>
-          <a:p>
-            <a:r>
-              <a:rPr lang="ko-KR" altLang="en-US" dirty="0" smtClean="0"/>
-              <a:t>개발 특이 사항</a:t>
-            </a:r>
-            <a:endParaRPr lang="ko-KR" altLang="en-US" dirty="0"/>
+              <a:rPr lang="ko-KR" altLang="en-US" dirty="0" smtClean="0">
+                <a:solidFill>
+                  <a:srgbClr val="FF0000"/>
+                </a:solidFill>
+              </a:rPr>
+              <a:t>모서리 </a:t>
+            </a:r>
+            <a:r>
+              <a:rPr lang="ko-KR" altLang="en-US" dirty="0">
+                <a:solidFill>
+                  <a:srgbClr val="FF0000"/>
+                </a:solidFill>
+              </a:rPr>
+              <a:t>매</a:t>
+            </a:r>
+            <a:r>
+              <a:rPr lang="ko-KR" altLang="en-US" dirty="0" smtClean="0">
+                <a:solidFill>
+                  <a:srgbClr val="FF0000"/>
+                </a:solidFill>
+              </a:rPr>
+              <a:t>달리기</a:t>
+            </a:r>
+            <a:r>
+              <a:rPr lang="en-US" altLang="ko-KR" dirty="0" smtClean="0"/>
+              <a:t>(</a:t>
+            </a:r>
+            <a:r>
+              <a:rPr lang="ko-KR" altLang="en-US" dirty="0" smtClean="0"/>
+              <a:t>지형의 모서리 부분에서 </a:t>
+            </a:r>
+            <a:r>
+              <a:rPr lang="en-US" altLang="ko-KR" dirty="0" smtClean="0"/>
+              <a:t>R</a:t>
+            </a:r>
+            <a:r>
+              <a:rPr lang="ko-KR" altLang="en-US" dirty="0" smtClean="0"/>
+              <a:t>키를 누르고 있으면 모서리에 </a:t>
+            </a:r>
+            <a:r>
+              <a:rPr lang="ko-KR" altLang="en-US" dirty="0"/>
+              <a:t>매</a:t>
+            </a:r>
+            <a:r>
+              <a:rPr lang="ko-KR" altLang="en-US" dirty="0" smtClean="0"/>
+              <a:t>달릴 수 있다</a:t>
+            </a:r>
+            <a:r>
+              <a:rPr lang="en-US" altLang="ko-KR" dirty="0" smtClean="0"/>
+              <a:t>. </a:t>
+            </a:r>
+            <a:r>
+              <a:rPr lang="ko-KR" altLang="en-US" dirty="0" smtClean="0"/>
+              <a:t>위로 올라가거나 땅에 떨어지는 행동을 취할 수 있다</a:t>
+            </a:r>
+            <a:r>
+              <a:rPr lang="en-US" altLang="ko-KR" dirty="0" smtClean="0"/>
+              <a:t>)</a:t>
+            </a:r>
+          </a:p>
+          <a:p>
+            <a:r>
+              <a:rPr lang="ko-KR" altLang="en-US" dirty="0" smtClean="0">
+                <a:solidFill>
+                  <a:srgbClr val="FF0000"/>
+                </a:solidFill>
+              </a:rPr>
+              <a:t>벽 붙잡기</a:t>
+            </a:r>
+            <a:r>
+              <a:rPr lang="en-US" altLang="ko-KR" dirty="0" smtClean="0"/>
+              <a:t>(</a:t>
+            </a:r>
+            <a:r>
+              <a:rPr lang="ko-KR" altLang="en-US" dirty="0" smtClean="0"/>
+              <a:t>손잡이가 있는 벽을 </a:t>
+            </a:r>
+            <a:r>
+              <a:rPr lang="en-US" altLang="ko-KR" dirty="0" smtClean="0"/>
+              <a:t>R</a:t>
+            </a:r>
+            <a:r>
+              <a:rPr lang="ko-KR" altLang="en-US" dirty="0" smtClean="0"/>
+              <a:t>키를 누르고 있음으로써 붙잡고 있을 수 있다</a:t>
+            </a:r>
+            <a:r>
+              <a:rPr lang="en-US" altLang="ko-KR" dirty="0" smtClean="0"/>
+              <a:t>. </a:t>
+            </a:r>
+            <a:r>
+              <a:rPr lang="ko-KR" altLang="en-US" dirty="0" smtClean="0"/>
+              <a:t>오른쪽 벽에 붙었을 경우 왼쪽 방향키를 누른 상태에서 </a:t>
+            </a:r>
+            <a:r>
+              <a:rPr lang="ko-KR" altLang="en-US" dirty="0" err="1" smtClean="0"/>
+              <a:t>점프키를</a:t>
+            </a:r>
+            <a:r>
+              <a:rPr lang="ko-KR" altLang="en-US" dirty="0" smtClean="0"/>
+              <a:t> 누르면 </a:t>
+            </a:r>
+            <a:r>
+              <a:rPr lang="en-US" altLang="ko-KR" dirty="0" smtClean="0"/>
+              <a:t>R</a:t>
+            </a:r>
+            <a:r>
+              <a:rPr lang="ko-KR" altLang="en-US" dirty="0" smtClean="0"/>
+              <a:t>키 눌러짐 여부와 상관없이 왼쪽 상단으로 점프한다</a:t>
+            </a:r>
+            <a:r>
+              <a:rPr lang="en-US" altLang="ko-KR" dirty="0" smtClean="0"/>
+              <a:t>, </a:t>
+            </a:r>
+            <a:r>
+              <a:rPr lang="ko-KR" altLang="en-US" dirty="0" smtClean="0"/>
+              <a:t>만약 그냥 </a:t>
+            </a:r>
+            <a:r>
+              <a:rPr lang="en-US" altLang="ko-KR" dirty="0" smtClean="0"/>
+              <a:t>(</a:t>
+            </a:r>
+            <a:r>
+              <a:rPr lang="ko-KR" altLang="en-US" dirty="0" smtClean="0"/>
+              <a:t>나머지 방향</a:t>
+            </a:r>
+            <a:r>
+              <a:rPr lang="en-US" altLang="ko-KR" dirty="0" smtClean="0"/>
+              <a:t>) </a:t>
+            </a:r>
+            <a:r>
+              <a:rPr lang="ko-KR" altLang="en-US" dirty="0" err="1" smtClean="0"/>
+              <a:t>점프키를</a:t>
+            </a:r>
+            <a:r>
+              <a:rPr lang="ko-KR" altLang="en-US" dirty="0" smtClean="0"/>
+              <a:t> 누르거나 </a:t>
+            </a:r>
+            <a:r>
+              <a:rPr lang="en-US" altLang="ko-KR" dirty="0" smtClean="0"/>
+              <a:t>R</a:t>
+            </a:r>
+            <a:r>
+              <a:rPr lang="ko-KR" altLang="en-US" dirty="0" smtClean="0"/>
+              <a:t>키를 놓을 경우 밑으로 떨어진다</a:t>
+            </a:r>
+            <a:r>
+              <a:rPr lang="en-US" altLang="ko-KR" dirty="0" smtClean="0"/>
+              <a:t>.</a:t>
+            </a:r>
+          </a:p>
+          <a:p>
+            <a:r>
+              <a:rPr lang="ko-KR" altLang="en-US" dirty="0" smtClean="0">
+                <a:solidFill>
+                  <a:srgbClr val="FF0000"/>
+                </a:solidFill>
+              </a:rPr>
+              <a:t>점프</a:t>
+            </a:r>
+            <a:endParaRPr lang="en-US" altLang="ko-KR" dirty="0" smtClean="0">
+              <a:solidFill>
+                <a:srgbClr val="FF0000"/>
+              </a:solidFill>
+            </a:endParaRPr>
+          </a:p>
+          <a:p>
+            <a:r>
+              <a:rPr lang="ko-KR" altLang="en-US" dirty="0" smtClean="0">
+                <a:solidFill>
+                  <a:srgbClr val="FF0000"/>
+                </a:solidFill>
+              </a:rPr>
+              <a:t>구르기</a:t>
+            </a:r>
+            <a:r>
+              <a:rPr lang="en-US" altLang="ko-KR" dirty="0" smtClean="0"/>
+              <a:t>(</a:t>
+            </a:r>
+            <a:r>
+              <a:rPr lang="ko-KR" altLang="en-US" dirty="0" smtClean="0"/>
+              <a:t>순식간에 단거리를 이동한다</a:t>
+            </a:r>
+            <a:r>
+              <a:rPr lang="en-US" altLang="ko-KR" dirty="0" smtClean="0"/>
+              <a:t>. </a:t>
+            </a:r>
+            <a:r>
+              <a:rPr lang="ko-KR" altLang="en-US" dirty="0" smtClean="0"/>
+              <a:t>경직 시간 때문에 그냥 뛰는 것과 속도는 결국 같다</a:t>
+            </a:r>
+            <a:r>
+              <a:rPr lang="en-US" altLang="ko-KR" dirty="0" smtClean="0"/>
+              <a:t>. </a:t>
+            </a:r>
+            <a:r>
+              <a:rPr lang="ko-KR" altLang="en-US" dirty="0" smtClean="0"/>
+              <a:t>총알을 피하거나 할 수 없지만 위에서 떨어지는 오브젝트를 피할 수는 있다</a:t>
+            </a:r>
+            <a:r>
+              <a:rPr lang="en-US" altLang="ko-KR" dirty="0" smtClean="0"/>
+              <a:t>)</a:t>
+            </a:r>
+            <a:endParaRPr lang="en-US" altLang="ko-KR" dirty="0"/>
           </a:p>
         </p:txBody>
       </p:sp>
     </p:spTree>
     <p:extLst>
       <p:ext uri="{BB962C8B-B14F-4D97-AF65-F5344CB8AC3E}">
-        <p14:creationId xmlns:p14="http://schemas.microsoft.com/office/powerpoint/2010/main" val="1903533169"/>
-      </p:ext>
-    </p:extLst>
-  </p:cSld>
-  <p:clrMapOvr>
-    <a:masterClrMapping/>
-  </p:clrMapOvr>
-  <p:timing>
-    <p:tnLst>
-      <p:par>
-        <p:cTn id="1" dur="indefinite" restart="never" nodeType="tmRoot"/>
-      </p:par>
-    </p:tnLst>
-  </p:timing>
-</p:sld>
-</file>
-
-<file path=ppt/slides/slide12.xml><?xml version="1.0" encoding="utf-8"?>
-<p:sld xmlns:a="http://schemas.openxmlformats.org/drawingml/2006/main" xmlns:r="http://schemas.openxmlformats.org/officeDocument/2006/relationships" xmlns:p="http://schemas.openxmlformats.org/presentationml/2006/main">
-  <p:cSld>
-    <p:spTree>
-      <p:nvGrpSpPr>
-        <p:cNvPr id="1" name=""/>
-        <p:cNvGrpSpPr/>
-        <p:nvPr/>
-      </p:nvGrpSpPr>
-      <p:grpSpPr>
-        <a:xfrm>
-          <a:off x="0" y="0"/>
-          <a:ext cx="0" cy="0"/>
-          <a:chOff x="0" y="0"/>
-          <a:chExt cx="0" cy="0"/>
-        </a:xfrm>
-      </p:grpSpPr>
-      <p:sp>
-        <p:nvSpPr>
-          <p:cNvPr id="2" name="제목 1"/>
-          <p:cNvSpPr>
-            <a:spLocks noGrp="1"/>
-          </p:cNvSpPr>
-          <p:nvPr>
-            <p:ph type="title"/>
-          </p:nvPr>
-        </p:nvSpPr>
-        <p:spPr/>
-        <p:txBody>
-          <a:bodyPr/>
-          <a:lstStyle/>
-          <a:p>
-            <a:r>
-              <a:rPr lang="ko-KR" altLang="en-US" dirty="0" smtClean="0"/>
-              <a:t>게임에 들어갈 요소들</a:t>
-            </a:r>
-            <a:endParaRPr lang="ko-KR" altLang="en-US" dirty="0"/>
-          </a:p>
-        </p:txBody>
-      </p:sp>
-      <p:sp>
-        <p:nvSpPr>
-          <p:cNvPr id="3" name="내용 개체 틀 2"/>
-          <p:cNvSpPr>
-            <a:spLocks noGrp="1"/>
-          </p:cNvSpPr>
-          <p:nvPr>
-            <p:ph idx="1"/>
-          </p:nvPr>
-        </p:nvSpPr>
-        <p:spPr/>
-        <p:txBody>
-          <a:bodyPr/>
-          <a:lstStyle/>
-          <a:p>
-            <a:endParaRPr lang="ko-KR" altLang="en-US" dirty="0"/>
-          </a:p>
-        </p:txBody>
-      </p:sp>
-    </p:spTree>
-    <p:extLst>
-      <p:ext uri="{BB962C8B-B14F-4D97-AF65-F5344CB8AC3E}">
-        <p14:creationId xmlns:p14="http://schemas.microsoft.com/office/powerpoint/2010/main" val="950097735"/>
+        <p14:creationId xmlns:p14="http://schemas.microsoft.com/office/powerpoint/2010/main" val="3003005805"/>
       </p:ext>
     </p:extLst>
   </p:cSld>
@@ -6033,6 +6291,53 @@
             </a:r>
           </a:p>
           <a:p>
+            <a:r>
+              <a:rPr lang="ko-KR" altLang="en-US" dirty="0" err="1" smtClean="0">
+                <a:solidFill>
+                  <a:srgbClr val="FF0000"/>
+                </a:solidFill>
+              </a:rPr>
+              <a:t>스위칭</a:t>
+            </a:r>
+            <a:r>
+              <a:rPr lang="ko-KR" altLang="en-US" dirty="0" smtClean="0">
+                <a:solidFill>
+                  <a:srgbClr val="FF0000"/>
+                </a:solidFill>
+              </a:rPr>
+              <a:t> 하려는 시간에 관통이 불가능한 지형이 있다면 </a:t>
+            </a:r>
+            <a:r>
+              <a:rPr lang="ko-KR" altLang="en-US" dirty="0" err="1" smtClean="0">
+                <a:solidFill>
+                  <a:srgbClr val="FF0000"/>
+                </a:solidFill>
+              </a:rPr>
+              <a:t>스위칭할</a:t>
+            </a:r>
+            <a:r>
+              <a:rPr lang="ko-KR" altLang="en-US" dirty="0" smtClean="0">
+                <a:solidFill>
+                  <a:srgbClr val="FF0000"/>
+                </a:solidFill>
+              </a:rPr>
+              <a:t> 수 없다</a:t>
+            </a:r>
+            <a:r>
+              <a:rPr lang="en-US" altLang="ko-KR" dirty="0" smtClean="0">
+                <a:solidFill>
+                  <a:srgbClr val="FF0000"/>
+                </a:solidFill>
+              </a:rPr>
+              <a:t>.</a:t>
+            </a:r>
+            <a:endParaRPr lang="en-US" altLang="ko-KR" dirty="0" smtClean="0">
+              <a:solidFill>
+                <a:srgbClr val="FF0000"/>
+              </a:solidFill>
+            </a:endParaRPr>
+          </a:p>
+          <a:p>
             <a:pPr marL="0" indent="0">
               <a:buNone/>
             </a:pPr>
@@ -6230,6 +6535,67 @@
                                           <p:spTgt spid="3">
                                             <p:txEl>
                                               <p:pRg st="2" end="2"/>
+                                            </p:txEl>
+                                          </p:spTgt>
+                                        </p:tgtEl>
+                                      </p:cBhvr>
+                                    </p:animEffect>
+                                  </p:childTnLst>
+                                </p:cTn>
+                              </p:par>
+                            </p:childTnLst>
+                          </p:cTn>
+                        </p:par>
+                      </p:childTnLst>
+                    </p:cTn>
+                  </p:par>
+                  <p:par>
+                    <p:cTn id="18" fill="hold">
+                      <p:stCondLst>
+                        <p:cond delay="indefinite"/>
+                      </p:stCondLst>
+                      <p:childTnLst>
+                        <p:par>
+                          <p:cTn id="19" fill="hold">
+                            <p:stCondLst>
+                              <p:cond delay="0"/>
+                            </p:stCondLst>
+                            <p:childTnLst>
+                              <p:par>
+                                <p:cTn id="20" presetID="10" presetClass="entr" presetSubtype="0" fill="hold" grpId="0" nodeType="clickEffect">
+                                  <p:stCondLst>
+                                    <p:cond delay="0"/>
+                                  </p:stCondLst>
+                                  <p:childTnLst>
+                                    <p:set>
+                                      <p:cBhvr>
+                                        <p:cTn id="21" dur="1" fill="hold">
+                                          <p:stCondLst>
+                                            <p:cond delay="0"/>
+                                          </p:stCondLst>
+                                        </p:cTn>
+                                        <p:tgtEl>
+                                          <p:spTgt spid="3">
+                                            <p:txEl>
+                                              <p:pRg st="3" end="3"/>
+                                            </p:txEl>
+                                          </p:spTgt>
+                                        </p:tgtEl>
+                                        <p:attrNameLst>
+                                          <p:attrName>style.visibility</p:attrName>
+                                        </p:attrNameLst>
+                                      </p:cBhvr>
+                                      <p:to>
+                                        <p:strVal val="visible"/>
+                                      </p:to>
+                                    </p:set>
+                                    <p:animEffect transition="in" filter="fade">
+                                      <p:cBhvr>
+                                        <p:cTn id="22" dur="500"/>
+                                        <p:tgtEl>
+                                          <p:spTgt spid="3">
+                                            <p:txEl>
+                                              <p:pRg st="3" end="3"/>
                                             </p:txEl>
                                           </p:spTgt>
                                         </p:tgtEl>
@@ -7075,15 +7441,7 @@
                   <a:srgbClr val="FF0000"/>
                 </a:solidFill>
               </a:rPr>
-              <a:t>가지고 다닐 수 </a:t>
-            </a:r>
-            <a:r>
-              <a:rPr lang="ko-KR" altLang="en-US" dirty="0" smtClean="0">
-                <a:solidFill>
-                  <a:srgbClr val="FF0000"/>
-                </a:solidFill>
-              </a:rPr>
-              <a:t>있는</a:t>
+              <a:t>가지고 다닐 수 있는</a:t>
             </a:r>
             <a:r>
               <a:rPr lang="en-US" altLang="ko-KR" dirty="0" smtClean="0">
@@ -7115,15 +7473,7 @@
                   <a:srgbClr val="FF0000"/>
                 </a:solidFill>
               </a:rPr>
-              <a:t> </a:t>
-            </a:r>
-            <a:r>
-              <a:rPr lang="ko-KR" altLang="en-US" dirty="0" smtClean="0">
-                <a:solidFill>
-                  <a:srgbClr val="FF0000"/>
-                </a:solidFill>
-              </a:rPr>
-              <a:t>오브젝트가 있을까</a:t>
+              <a:t> 오브젝트가 있을까</a:t>
             </a:r>
             <a:r>
               <a:rPr lang="en-US" altLang="ko-KR" dirty="0" smtClean="0">
@@ -7216,52 +7566,14 @@
               <a:t>이 오브젝트 들은 데이터로 존재하고 한 번 얻으면 사라지지 않는다</a:t>
             </a:r>
             <a:r>
-              <a:rPr lang="en-US" altLang="ko-KR" smtClean="0">
+              <a:rPr lang="en-US" altLang="ko-KR" dirty="0" smtClean="0">
                 <a:solidFill>
                   <a:srgbClr val="FF0000"/>
                 </a:solidFill>
               </a:rPr>
               <a:t>.</a:t>
             </a:r>
-            <a:endParaRPr lang="en-US" altLang="ko-KR" dirty="0" smtClean="0">
-              <a:solidFill>
-                <a:srgbClr val="FF0000"/>
-              </a:solidFill>
-            </a:endParaRPr>
-          </a:p>
-          <a:p>
-            <a:r>
-              <a:rPr lang="ko-KR" altLang="en-US" dirty="0" smtClean="0"/>
-              <a:t>구조물 오브젝트</a:t>
-            </a:r>
-            <a:r>
-              <a:rPr lang="en-US" altLang="ko-KR" dirty="0" smtClean="0"/>
-              <a:t>(</a:t>
-            </a:r>
-            <a:r>
-              <a:rPr lang="ko-KR" altLang="en-US" dirty="0" smtClean="0"/>
-              <a:t>문</a:t>
-            </a:r>
-            <a:r>
-              <a:rPr lang="en-US" altLang="ko-KR" dirty="0" smtClean="0"/>
-              <a:t>, </a:t>
-            </a:r>
-            <a:r>
-              <a:rPr lang="ko-KR" altLang="en-US" dirty="0" smtClean="0"/>
-              <a:t>컴퓨터</a:t>
-            </a:r>
-            <a:r>
-              <a:rPr lang="en-US" altLang="ko-KR" dirty="0" smtClean="0"/>
-              <a:t>, </a:t>
-            </a:r>
-            <a:r>
-              <a:rPr lang="ko-KR" altLang="en-US" dirty="0" smtClean="0"/>
-              <a:t>기계</a:t>
-            </a:r>
-            <a:r>
-              <a:rPr lang="en-US" altLang="ko-KR" dirty="0" smtClean="0"/>
-              <a:t>)</a:t>
-            </a:r>
+            <a:endParaRPr lang="en-US" altLang="ko-KR" dirty="0" smtClean="0"/>
           </a:p>
           <a:p>
             <a:endParaRPr lang="en-US" altLang="ko-KR" b="1" dirty="0" smtClean="0"/>
@@ -7516,67 +7828,6 @@
                                           <p:spTgt spid="3">
                                             <p:txEl>
                                               <p:pRg st="3" end="3"/>
-                                            </p:txEl>
-                                          </p:spTgt>
-                                        </p:tgtEl>
-                                      </p:cBhvr>
-                                    </p:animEffect>
-                                  </p:childTnLst>
-                                </p:cTn>
-                              </p:par>
-                            </p:childTnLst>
-                          </p:cTn>
-                        </p:par>
-                      </p:childTnLst>
-                    </p:cTn>
-                  </p:par>
-                  <p:par>
-                    <p:cTn id="23" fill="hold">
-                      <p:stCondLst>
-                        <p:cond delay="indefinite"/>
-                      </p:stCondLst>
-                      <p:childTnLst>
-                        <p:par>
-                          <p:cTn id="24" fill="hold">
-                            <p:stCondLst>
-                              <p:cond delay="0"/>
-                            </p:stCondLst>
-                            <p:childTnLst>
-                              <p:par>
-                                <p:cTn id="25" presetID="10" presetClass="entr" presetSubtype="0" fill="hold" grpId="0" nodeType="clickEffect">
-                                  <p:stCondLst>
-                                    <p:cond delay="0"/>
-                                  </p:stCondLst>
-                                  <p:childTnLst>
-                                    <p:set>
-                                      <p:cBhvr>
-                                        <p:cTn id="26" dur="1" fill="hold">
-                                          <p:stCondLst>
-                                            <p:cond delay="0"/>
-                                          </p:stCondLst>
-                                        </p:cTn>
-                                        <p:tgtEl>
-                                          <p:spTgt spid="3">
-                                            <p:txEl>
-                                              <p:pRg st="4" end="4"/>
-                                            </p:txEl>
-                                          </p:spTgt>
-                                        </p:tgtEl>
-                                        <p:attrNameLst>
-                                          <p:attrName>style.visibility</p:attrName>
-                                        </p:attrNameLst>
-                                      </p:cBhvr>
-                                      <p:to>
-                                        <p:strVal val="visible"/>
-                                      </p:to>
-                                    </p:set>
-                                    <p:animEffect transition="in" filter="fade">
-                                      <p:cBhvr>
-                                        <p:cTn id="27" dur="500"/>
-                                        <p:tgtEl>
-                                          <p:spTgt spid="3">
-                                            <p:txEl>
-                                              <p:pRg st="4" end="4"/>
                                             </p:txEl>
                                           </p:spTgt>
                                         </p:tgtEl>

--- a/Documents/기획/시스템기획/게임플레이기획_시스템.pptx
+++ b/Documents/기획/시스템기획/게임플레이기획_시스템.pptx
@@ -16,6 +16,8 @@
     <p:sldId id="265" r:id="rId10"/>
     <p:sldId id="267" r:id="rId11"/>
     <p:sldId id="269" r:id="rId12"/>
+    <p:sldId id="270" r:id="rId13"/>
+    <p:sldId id="271" r:id="rId14"/>
   </p:sldIdLst>
   <p:sldSz cx="12192000" cy="6858000"/>
   <p:notesSz cx="6858000" cy="9144000"/>
@@ -264,7 +266,7 @@
           <a:p>
             <a:fld id="{CFCD1C0C-1AC4-42DA-846F-D3FF8DFDBDBE}" type="datetimeFigureOut">
               <a:rPr lang="ko-KR" altLang="en-US" smtClean="0"/>
-              <a:t>2017-04-02</a:t>
+              <a:t>2017-04-08</a:t>
             </a:fld>
             <a:endParaRPr lang="ko-KR" altLang="en-US"/>
           </a:p>
@@ -434,7 +436,7 @@
           <a:p>
             <a:fld id="{CFCD1C0C-1AC4-42DA-846F-D3FF8DFDBDBE}" type="datetimeFigureOut">
               <a:rPr lang="ko-KR" altLang="en-US" smtClean="0"/>
-              <a:t>2017-04-02</a:t>
+              <a:t>2017-04-08</a:t>
             </a:fld>
             <a:endParaRPr lang="ko-KR" altLang="en-US"/>
           </a:p>
@@ -614,7 +616,7 @@
           <a:p>
             <a:fld id="{CFCD1C0C-1AC4-42DA-846F-D3FF8DFDBDBE}" type="datetimeFigureOut">
               <a:rPr lang="ko-KR" altLang="en-US" smtClean="0"/>
-              <a:t>2017-04-02</a:t>
+              <a:t>2017-04-08</a:t>
             </a:fld>
             <a:endParaRPr lang="ko-KR" altLang="en-US"/>
           </a:p>
@@ -784,7 +786,7 @@
           <a:p>
             <a:fld id="{CFCD1C0C-1AC4-42DA-846F-D3FF8DFDBDBE}" type="datetimeFigureOut">
               <a:rPr lang="ko-KR" altLang="en-US" smtClean="0"/>
-              <a:t>2017-04-02</a:t>
+              <a:t>2017-04-08</a:t>
             </a:fld>
             <a:endParaRPr lang="ko-KR" altLang="en-US"/>
           </a:p>
@@ -1030,7 +1032,7 @@
           <a:p>
             <a:fld id="{CFCD1C0C-1AC4-42DA-846F-D3FF8DFDBDBE}" type="datetimeFigureOut">
               <a:rPr lang="ko-KR" altLang="en-US" smtClean="0"/>
-              <a:t>2017-04-02</a:t>
+              <a:t>2017-04-08</a:t>
             </a:fld>
             <a:endParaRPr lang="ko-KR" altLang="en-US"/>
           </a:p>
@@ -1262,7 +1264,7 @@
           <a:p>
             <a:fld id="{CFCD1C0C-1AC4-42DA-846F-D3FF8DFDBDBE}" type="datetimeFigureOut">
               <a:rPr lang="ko-KR" altLang="en-US" smtClean="0"/>
-              <a:t>2017-04-02</a:t>
+              <a:t>2017-04-08</a:t>
             </a:fld>
             <a:endParaRPr lang="ko-KR" altLang="en-US"/>
           </a:p>
@@ -1629,7 +1631,7 @@
           <a:p>
             <a:fld id="{CFCD1C0C-1AC4-42DA-846F-D3FF8DFDBDBE}" type="datetimeFigureOut">
               <a:rPr lang="ko-KR" altLang="en-US" smtClean="0"/>
-              <a:t>2017-04-02</a:t>
+              <a:t>2017-04-08</a:t>
             </a:fld>
             <a:endParaRPr lang="ko-KR" altLang="en-US"/>
           </a:p>
@@ -1747,7 +1749,7 @@
           <a:p>
             <a:fld id="{CFCD1C0C-1AC4-42DA-846F-D3FF8DFDBDBE}" type="datetimeFigureOut">
               <a:rPr lang="ko-KR" altLang="en-US" smtClean="0"/>
-              <a:t>2017-04-02</a:t>
+              <a:t>2017-04-08</a:t>
             </a:fld>
             <a:endParaRPr lang="ko-KR" altLang="en-US"/>
           </a:p>
@@ -1842,7 +1844,7 @@
           <a:p>
             <a:fld id="{CFCD1C0C-1AC4-42DA-846F-D3FF8DFDBDBE}" type="datetimeFigureOut">
               <a:rPr lang="ko-KR" altLang="en-US" smtClean="0"/>
-              <a:t>2017-04-02</a:t>
+              <a:t>2017-04-08</a:t>
             </a:fld>
             <a:endParaRPr lang="ko-KR" altLang="en-US"/>
           </a:p>
@@ -2119,7 +2121,7 @@
           <a:p>
             <a:fld id="{CFCD1C0C-1AC4-42DA-846F-D3FF8DFDBDBE}" type="datetimeFigureOut">
               <a:rPr lang="ko-KR" altLang="en-US" smtClean="0"/>
-              <a:t>2017-04-02</a:t>
+              <a:t>2017-04-08</a:t>
             </a:fld>
             <a:endParaRPr lang="ko-KR" altLang="en-US"/>
           </a:p>
@@ -2372,7 +2374,7 @@
           <a:p>
             <a:fld id="{CFCD1C0C-1AC4-42DA-846F-D3FF8DFDBDBE}" type="datetimeFigureOut">
               <a:rPr lang="ko-KR" altLang="en-US" smtClean="0"/>
-              <a:t>2017-04-02</a:t>
+              <a:t>2017-04-08</a:t>
             </a:fld>
             <a:endParaRPr lang="ko-KR" altLang="en-US"/>
           </a:p>
@@ -2585,7 +2587,7 @@
           <a:p>
             <a:fld id="{CFCD1C0C-1AC4-42DA-846F-D3FF8DFDBDBE}" type="datetimeFigureOut">
               <a:rPr lang="ko-KR" altLang="en-US" smtClean="0"/>
-              <a:t>2017-04-02</a:t>
+              <a:t>2017-04-08</a:t>
             </a:fld>
             <a:endParaRPr lang="ko-KR" altLang="en-US"/>
           </a:p>
@@ -3133,7 +3135,11 @@
             </a:r>
             <a:r>
               <a:rPr lang="ko-KR" altLang="en-US" dirty="0" smtClean="0"/>
-              <a:t>들을 수 있는 드럼통</a:t>
+              <a:t>들고 던질 수 있는 </a:t>
+            </a:r>
+            <a:r>
+              <a:rPr lang="ko-KR" altLang="en-US" dirty="0" smtClean="0"/>
+              <a:t>드럼통</a:t>
             </a:r>
             <a:r>
               <a:rPr lang="en-US" altLang="ko-KR" dirty="0" smtClean="0"/>
@@ -3153,12 +3159,49 @@
             </a:r>
             <a:r>
               <a:rPr lang="ko-KR" altLang="en-US" dirty="0" smtClean="0"/>
-              <a:t> 나눠야 한다</a:t>
+              <a:t> 나눠야 </a:t>
+            </a:r>
+            <a:r>
+              <a:rPr lang="ko-KR" altLang="en-US" dirty="0" smtClean="0"/>
+              <a:t>한다</a:t>
             </a:r>
             <a:r>
               <a:rPr lang="en-US" altLang="ko-KR" dirty="0" smtClean="0"/>
-              <a:t>.)</a:t>
-            </a:r>
+              <a:t>, </a:t>
+            </a:r>
+            <a:r>
+              <a:rPr lang="ko-KR" altLang="en-US" dirty="0" smtClean="0"/>
+              <a:t>상호작용 오브젝트의 일부로 숨을 수 있는 오브젝트가 있다</a:t>
+            </a:r>
+            <a:r>
+              <a:rPr lang="en-US" altLang="ko-KR" dirty="0" smtClean="0"/>
+              <a:t>. </a:t>
+            </a:r>
+            <a:r>
+              <a:rPr lang="ko-KR" altLang="en-US" dirty="0" smtClean="0"/>
+              <a:t>이 오브젝트에 숨은 상태에서 타임 </a:t>
+            </a:r>
+            <a:r>
+              <a:rPr lang="ko-KR" altLang="en-US" dirty="0" err="1" smtClean="0"/>
+              <a:t>스위칭을</a:t>
+            </a:r>
+            <a:r>
+              <a:rPr lang="ko-KR" altLang="en-US" dirty="0" smtClean="0"/>
+              <a:t> </a:t>
+            </a:r>
+            <a:r>
+              <a:rPr lang="ko-KR" altLang="en-US" dirty="0" err="1" smtClean="0"/>
+              <a:t>시전하면</a:t>
+            </a:r>
+            <a:r>
+              <a:rPr lang="ko-KR" altLang="en-US" dirty="0" smtClean="0"/>
+              <a:t> 플레이어는 일반 상태로 돌아간다</a:t>
+            </a:r>
+            <a:r>
+              <a:rPr lang="en-US" altLang="ko-KR" dirty="0" smtClean="0"/>
+              <a:t>)</a:t>
+            </a:r>
+            <a:endParaRPr lang="en-US" altLang="ko-KR" dirty="0" smtClean="0"/>
           </a:p>
           <a:p>
             <a:r>
@@ -3245,7 +3288,23 @@
             </a:r>
             <a:r>
               <a:rPr lang="ko-KR" altLang="en-US" dirty="0" smtClean="0"/>
-              <a:t>플레이어와 충돌하고 있는 상태에서는 그 시간대로 이동할 수 없게 한다</a:t>
+              <a:t>플레이어와 </a:t>
+            </a:r>
+            <a:r>
+              <a:rPr lang="ko-KR" altLang="en-US" dirty="0" smtClean="0"/>
+              <a:t>다른 </a:t>
+            </a:r>
+            <a:r>
+              <a:rPr lang="ko-KR" altLang="en-US" dirty="0" err="1" smtClean="0"/>
+              <a:t>레이어로</a:t>
+            </a:r>
+            <a:r>
+              <a:rPr lang="ko-KR" altLang="en-US" dirty="0" smtClean="0"/>
+              <a:t> 충돌하고 </a:t>
+            </a:r>
+            <a:r>
+              <a:rPr lang="ko-KR" altLang="en-US" dirty="0" smtClean="0"/>
+              <a:t>있는 상태에서는 그 시간대로 이동할 수 없게 한다</a:t>
             </a:r>
             <a:r>
               <a:rPr lang="en-US" altLang="ko-KR" dirty="0" smtClean="0"/>
@@ -3347,7 +3406,353 @@
             </a:r>
             <a:r>
               <a:rPr lang="ko-KR" altLang="en-US" dirty="0" smtClean="0"/>
-              <a:t> 행동</a:t>
+              <a:t> </a:t>
+            </a:r>
+            <a:r>
+              <a:rPr lang="ko-KR" altLang="en-US" dirty="0" smtClean="0"/>
+              <a:t>행동</a:t>
+            </a:r>
+            <a:r>
+              <a:rPr lang="en-US" altLang="ko-KR" dirty="0" smtClean="0"/>
+              <a:t>1</a:t>
+            </a:r>
+            <a:endParaRPr lang="ko-KR" altLang="en-US" dirty="0"/>
+          </a:p>
+        </p:txBody>
+      </p:sp>
+      <p:sp>
+        <p:nvSpPr>
+          <p:cNvPr id="3" name="내용 개체 틀 2"/>
+          <p:cNvSpPr>
+            <a:spLocks noGrp="1"/>
+          </p:cNvSpPr>
+          <p:nvPr>
+            <p:ph idx="1"/>
+          </p:nvPr>
+        </p:nvSpPr>
+        <p:spPr>
+          <a:xfrm>
+            <a:off x="752475" y="1825625"/>
+            <a:ext cx="10601325" cy="4794250"/>
+          </a:xfrm>
+        </p:spPr>
+        <p:txBody>
+          <a:bodyPr>
+            <a:normAutofit/>
+          </a:bodyPr>
+          <a:lstStyle/>
+          <a:p>
+            <a:r>
+              <a:rPr lang="ko-KR" altLang="en-US" sz="2400" dirty="0" smtClean="0">
+                <a:solidFill>
+                  <a:srgbClr val="FF0000"/>
+                </a:solidFill>
+              </a:rPr>
+              <a:t>일반</a:t>
+            </a:r>
+            <a:r>
+              <a:rPr lang="en-US" altLang="ko-KR" sz="2400" dirty="0" smtClean="0"/>
+              <a:t>(</a:t>
+            </a:r>
+            <a:r>
+              <a:rPr lang="ko-KR" altLang="en-US" sz="2400" dirty="0" smtClean="0"/>
+              <a:t>가만히 서 있는 상태</a:t>
+            </a:r>
+            <a:r>
+              <a:rPr lang="en-US" altLang="ko-KR" sz="2400" dirty="0" smtClean="0"/>
+              <a:t>, </a:t>
+            </a:r>
+            <a:r>
+              <a:rPr lang="ko-KR" altLang="en-US" sz="2400" dirty="0" smtClean="0"/>
+              <a:t>아무 키도 누르고 있지 않다</a:t>
+            </a:r>
+            <a:r>
+              <a:rPr lang="en-US" altLang="ko-KR" sz="2400" dirty="0" smtClean="0"/>
+              <a:t>)</a:t>
+            </a:r>
+            <a:endParaRPr lang="en-US" altLang="ko-KR" sz="2400" dirty="0" smtClean="0">
+              <a:solidFill>
+                <a:srgbClr val="FF0000"/>
+              </a:solidFill>
+            </a:endParaRPr>
+          </a:p>
+          <a:p>
+            <a:r>
+              <a:rPr lang="ko-KR" altLang="en-US" sz="2400" dirty="0" smtClean="0">
+                <a:solidFill>
+                  <a:srgbClr val="FF0000"/>
+                </a:solidFill>
+              </a:rPr>
+              <a:t>뛰기</a:t>
+            </a:r>
+            <a:r>
+              <a:rPr lang="en-US" altLang="ko-KR" sz="2400" dirty="0" smtClean="0"/>
+              <a:t>(</a:t>
+            </a:r>
+            <a:r>
+              <a:rPr lang="ko-KR" altLang="en-US" sz="2400" dirty="0" smtClean="0"/>
+              <a:t>기본적으로 움직이는 상태</a:t>
+            </a:r>
+            <a:r>
+              <a:rPr lang="en-US" altLang="ko-KR" sz="2400" dirty="0" smtClean="0"/>
+              <a:t>, </a:t>
+            </a:r>
+            <a:r>
+              <a:rPr lang="ko-KR" altLang="en-US" sz="2400" dirty="0" smtClean="0"/>
+              <a:t>방향키 왼쪽 혹은 오른쪽을 누르고 있으면 움직인다</a:t>
+            </a:r>
+            <a:r>
+              <a:rPr lang="en-US" altLang="ko-KR" sz="2400" dirty="0" smtClean="0"/>
+              <a:t>, </a:t>
+            </a:r>
+            <a:r>
+              <a:rPr lang="ko-KR" altLang="en-US" sz="2400" dirty="0" smtClean="0"/>
+              <a:t>양쪽을 누를 경우 나중에 받은 입력대로 움직인다</a:t>
+            </a:r>
+            <a:r>
+              <a:rPr lang="en-US" altLang="ko-KR" sz="2400" dirty="0" smtClean="0"/>
+              <a:t>)</a:t>
+            </a:r>
+            <a:endParaRPr lang="en-US" altLang="ko-KR" sz="2400" dirty="0" smtClean="0"/>
+          </a:p>
+          <a:p>
+            <a:r>
+              <a:rPr lang="ko-KR" altLang="en-US" sz="2400" dirty="0" smtClean="0">
+                <a:solidFill>
+                  <a:srgbClr val="FF0000"/>
+                </a:solidFill>
+              </a:rPr>
+              <a:t>숙이기</a:t>
+            </a:r>
+            <a:r>
+              <a:rPr lang="en-US" altLang="ko-KR" sz="2400" dirty="0" smtClean="0"/>
+              <a:t>(</a:t>
+            </a:r>
+            <a:r>
+              <a:rPr lang="ko-KR" altLang="en-US" sz="2400" dirty="0" smtClean="0"/>
+              <a:t>몸을 웅크려서 숙인 상태</a:t>
+            </a:r>
+            <a:r>
+              <a:rPr lang="en-US" altLang="ko-KR" sz="2400" dirty="0" smtClean="0"/>
+              <a:t>, c</a:t>
+            </a:r>
+            <a:r>
+              <a:rPr lang="en-US" altLang="ko-KR" sz="2400" dirty="0" smtClean="0"/>
+              <a:t>trl</a:t>
+            </a:r>
+            <a:r>
+              <a:rPr lang="ko-KR" altLang="en-US" sz="2400" dirty="0" smtClean="0"/>
+              <a:t>키를 누르고 있어야 한다</a:t>
+            </a:r>
+            <a:r>
+              <a:rPr lang="en-US" altLang="ko-KR" sz="2400" dirty="0" smtClean="0"/>
+              <a:t>. </a:t>
+            </a:r>
+            <a:r>
+              <a:rPr lang="ko-KR" altLang="en-US" sz="2400" dirty="0" err="1" smtClean="0"/>
+              <a:t>충돌체가</a:t>
+            </a:r>
+            <a:r>
+              <a:rPr lang="ko-KR" altLang="en-US" sz="2400" dirty="0" smtClean="0"/>
+              <a:t> 작아진다</a:t>
+            </a:r>
+            <a:r>
+              <a:rPr lang="en-US" altLang="ko-KR" sz="2400" dirty="0" smtClean="0"/>
+              <a:t>)</a:t>
+            </a:r>
+            <a:endParaRPr lang="en-US" altLang="ko-KR" sz="2400" dirty="0" smtClean="0"/>
+          </a:p>
+          <a:p>
+            <a:r>
+              <a:rPr lang="ko-KR" altLang="en-US" sz="2400" dirty="0" smtClean="0">
+                <a:solidFill>
+                  <a:srgbClr val="FF0000"/>
+                </a:solidFill>
+              </a:rPr>
+              <a:t>숙여서 걷기</a:t>
+            </a:r>
+            <a:r>
+              <a:rPr lang="en-US" altLang="ko-KR" sz="2400" dirty="0"/>
+              <a:t>(</a:t>
+            </a:r>
+            <a:r>
+              <a:rPr lang="ko-KR" altLang="en-US" sz="2400" dirty="0" smtClean="0"/>
+              <a:t>몸을 숙인 채로 걷고 있는 상태</a:t>
+            </a:r>
+            <a:r>
+              <a:rPr lang="en-US" altLang="ko-KR" sz="2400" dirty="0" smtClean="0"/>
+              <a:t>, ctrl</a:t>
+            </a:r>
+            <a:r>
+              <a:rPr lang="ko-KR" altLang="en-US" sz="2400" dirty="0" smtClean="0"/>
+              <a:t>키를 누른 채로 방향키 왼쪽</a:t>
+            </a:r>
+            <a:r>
+              <a:rPr lang="en-US" altLang="ko-KR" sz="2400" dirty="0" smtClean="0"/>
+              <a:t>, </a:t>
+            </a:r>
+            <a:r>
+              <a:rPr lang="ko-KR" altLang="en-US" sz="2400" dirty="0" smtClean="0"/>
+              <a:t>오른쪽 키를 누르고 있어야 한다</a:t>
+            </a:r>
+            <a:r>
+              <a:rPr lang="en-US" altLang="ko-KR" sz="2400" dirty="0" smtClean="0"/>
+              <a:t>. </a:t>
+            </a:r>
+            <a:r>
+              <a:rPr lang="ko-KR" altLang="en-US" sz="2400" dirty="0" smtClean="0"/>
+              <a:t>이 상황에서 </a:t>
+            </a:r>
+            <a:r>
+              <a:rPr lang="en-US" altLang="ko-KR" sz="2400" dirty="0" smtClean="0"/>
+              <a:t>ctrl</a:t>
+            </a:r>
+            <a:r>
+              <a:rPr lang="ko-KR" altLang="en-US" sz="2400" dirty="0" smtClean="0"/>
+              <a:t>키를 놓으면 뛰기 상태로 전환된다</a:t>
+            </a:r>
+            <a:r>
+              <a:rPr lang="en-US" altLang="ko-KR" sz="2400" dirty="0" smtClean="0"/>
+              <a:t>. </a:t>
+            </a:r>
+            <a:r>
+              <a:rPr lang="ko-KR" altLang="en-US" sz="2400" dirty="0" smtClean="0"/>
+              <a:t>숙이기와 같은 </a:t>
+            </a:r>
+            <a:r>
+              <a:rPr lang="ko-KR" altLang="en-US" sz="2400" dirty="0" err="1" smtClean="0"/>
+              <a:t>총돌체를</a:t>
+            </a:r>
+            <a:r>
+              <a:rPr lang="ko-KR" altLang="en-US" sz="2400" dirty="0" smtClean="0"/>
+              <a:t> 가지게 되고 이동속도는 반감된다</a:t>
+            </a:r>
+            <a:r>
+              <a:rPr lang="en-US" altLang="ko-KR" sz="2400" dirty="0" smtClean="0"/>
+              <a:t>)</a:t>
+            </a:r>
+            <a:endParaRPr lang="en-US" altLang="ko-KR" sz="2400" dirty="0" smtClean="0">
+              <a:solidFill>
+                <a:srgbClr val="FF0000"/>
+              </a:solidFill>
+            </a:endParaRPr>
+          </a:p>
+          <a:p>
+            <a:r>
+              <a:rPr lang="ko-KR" altLang="en-US" sz="2400" dirty="0" smtClean="0">
+                <a:solidFill>
+                  <a:srgbClr val="FF0000"/>
+                </a:solidFill>
+              </a:rPr>
+              <a:t>숨기</a:t>
+            </a:r>
+            <a:r>
+              <a:rPr lang="en-US" altLang="ko-KR" sz="2400" dirty="0" smtClean="0"/>
+              <a:t>(</a:t>
+            </a:r>
+            <a:r>
+              <a:rPr lang="ko-KR" altLang="en-US" sz="2400" dirty="0" smtClean="0"/>
+              <a:t>특정 상호작용 오브젝트에 숨어있는 상태</a:t>
+            </a:r>
+            <a:r>
+              <a:rPr lang="en-US" altLang="ko-KR" sz="2400" dirty="0" smtClean="0"/>
+              <a:t>, </a:t>
+            </a:r>
+            <a:r>
+              <a:rPr lang="ko-KR" altLang="en-US" sz="2400" dirty="0" smtClean="0"/>
+              <a:t>숨을 수 있는 오브젝트 근처에서 상호작용 키를 누르면 숨기 상태로 변환된다</a:t>
+            </a:r>
+            <a:r>
+              <a:rPr lang="en-US" altLang="ko-KR" sz="2400" dirty="0" smtClean="0"/>
+              <a:t>. </a:t>
+            </a:r>
+            <a:r>
+              <a:rPr lang="ko-KR" altLang="en-US" sz="2400" dirty="0" smtClean="0"/>
+              <a:t>다시 키를 눌러야만 일반 상태로 돌아올 수 있다</a:t>
+            </a:r>
+            <a:r>
+              <a:rPr lang="en-US" altLang="ko-KR" sz="2400" dirty="0" smtClean="0"/>
+              <a:t>.)</a:t>
+            </a:r>
+            <a:endParaRPr lang="en-US" altLang="ko-KR" sz="2400" dirty="0"/>
+          </a:p>
+        </p:txBody>
+      </p:sp>
+    </p:spTree>
+    <p:extLst>
+      <p:ext uri="{BB962C8B-B14F-4D97-AF65-F5344CB8AC3E}">
+        <p14:creationId xmlns:p14="http://schemas.microsoft.com/office/powerpoint/2010/main" val="3003005805"/>
+      </p:ext>
+    </p:extLst>
+  </p:cSld>
+  <p:clrMapOvr>
+    <a:masterClrMapping/>
+  </p:clrMapOvr>
+  <p:timing>
+    <p:tnLst>
+      <p:par>
+        <p:cTn id="1" dur="indefinite" restart="never" nodeType="tmRoot"/>
+      </p:par>
+    </p:tnLst>
+  </p:timing>
+</p:sld>
+</file>
+
+<file path=ppt/slides/slide12.xml><?xml version="1.0" encoding="utf-8"?>
+<p:sld xmlns:a="http://schemas.openxmlformats.org/drawingml/2006/main" xmlns:r="http://schemas.openxmlformats.org/officeDocument/2006/relationships" xmlns:p="http://schemas.openxmlformats.org/presentationml/2006/main">
+  <p:cSld>
+    <p:spTree>
+      <p:nvGrpSpPr>
+        <p:cNvPr id="1" name=""/>
+        <p:cNvGrpSpPr/>
+        <p:nvPr/>
+      </p:nvGrpSpPr>
+      <p:grpSpPr>
+        <a:xfrm>
+          <a:off x="0" y="0"/>
+          <a:ext cx="0" cy="0"/>
+          <a:chOff x="0" y="0"/>
+          <a:chExt cx="0" cy="0"/>
+        </a:xfrm>
+      </p:grpSpPr>
+      <p:sp>
+        <p:nvSpPr>
+          <p:cNvPr id="2" name="제목 1"/>
+          <p:cNvSpPr>
+            <a:spLocks noGrp="1"/>
+          </p:cNvSpPr>
+          <p:nvPr>
+            <p:ph type="title"/>
+          </p:nvPr>
+        </p:nvSpPr>
+        <p:spPr/>
+        <p:txBody>
+          <a:bodyPr/>
+          <a:lstStyle/>
+          <a:p>
+            <a:r>
+              <a:rPr lang="ko-KR" altLang="en-US" dirty="0" smtClean="0"/>
+              <a:t>게임 용어 정리 </a:t>
+            </a:r>
+            <a:r>
+              <a:rPr lang="en-US" altLang="ko-KR" dirty="0" smtClean="0"/>
+              <a:t>– </a:t>
+            </a:r>
+            <a:r>
+              <a:rPr lang="ko-KR" altLang="en-US" dirty="0" err="1" smtClean="0"/>
+              <a:t>케릭터</a:t>
+            </a:r>
+            <a:r>
+              <a:rPr lang="ko-KR" altLang="en-US" dirty="0" smtClean="0"/>
+              <a:t> </a:t>
+            </a:r>
+            <a:r>
+              <a:rPr lang="ko-KR" altLang="en-US" dirty="0" smtClean="0"/>
+              <a:t>행동</a:t>
+            </a:r>
+            <a:r>
+              <a:rPr lang="en-US" altLang="ko-KR" dirty="0"/>
+              <a:t>2</a:t>
             </a:r>
             <a:endParaRPr lang="ko-KR" altLang="en-US" dirty="0"/>
           </a:p>
@@ -3366,171 +3771,161 @@
         <p:spPr/>
         <p:txBody>
           <a:bodyPr>
-            <a:normAutofit fontScale="92500" lnSpcReduction="10000"/>
+            <a:noAutofit/>
           </a:bodyPr>
           <a:lstStyle/>
           <a:p>
             <a:r>
-              <a:rPr lang="ko-KR" altLang="en-US" dirty="0" smtClean="0">
-                <a:solidFill>
-                  <a:srgbClr val="FF0000"/>
-                </a:solidFill>
-              </a:rPr>
-              <a:t>모서리 </a:t>
-            </a:r>
-            <a:r>
-              <a:rPr lang="ko-KR" altLang="en-US" dirty="0">
-                <a:solidFill>
-                  <a:srgbClr val="FF0000"/>
-                </a:solidFill>
-              </a:rPr>
-              <a:t>매</a:t>
-            </a:r>
-            <a:r>
-              <a:rPr lang="ko-KR" altLang="en-US" dirty="0" smtClean="0">
-                <a:solidFill>
-                  <a:srgbClr val="FF0000"/>
-                </a:solidFill>
-              </a:rPr>
-              <a:t>달리기</a:t>
-            </a:r>
-            <a:r>
-              <a:rPr lang="en-US" altLang="ko-KR" dirty="0" smtClean="0"/>
-              <a:t>(</a:t>
-            </a:r>
-            <a:r>
-              <a:rPr lang="ko-KR" altLang="en-US" dirty="0" smtClean="0"/>
-              <a:t>지형의 모서리 부분에서 </a:t>
-            </a:r>
-            <a:r>
-              <a:rPr lang="en-US" altLang="ko-KR" dirty="0" smtClean="0"/>
-              <a:t>R</a:t>
-            </a:r>
-            <a:r>
-              <a:rPr lang="ko-KR" altLang="en-US" dirty="0" smtClean="0"/>
-              <a:t>키를 누르고 있으면 모서리에 </a:t>
-            </a:r>
-            <a:r>
-              <a:rPr lang="ko-KR" altLang="en-US" dirty="0"/>
-              <a:t>매</a:t>
-            </a:r>
-            <a:r>
-              <a:rPr lang="ko-KR" altLang="en-US" dirty="0" smtClean="0"/>
-              <a:t>달릴 수 있다</a:t>
-            </a:r>
-            <a:r>
-              <a:rPr lang="en-US" altLang="ko-KR" dirty="0" smtClean="0"/>
-              <a:t>. </a:t>
-            </a:r>
-            <a:r>
-              <a:rPr lang="ko-KR" altLang="en-US" dirty="0" smtClean="0"/>
-              <a:t>위로 올라가거나 땅에 떨어지는 행동을 취할 수 있다</a:t>
-            </a:r>
-            <a:r>
-              <a:rPr lang="en-US" altLang="ko-KR" dirty="0" smtClean="0"/>
-              <a:t>)</a:t>
-            </a:r>
-          </a:p>
-          <a:p>
-            <a:r>
-              <a:rPr lang="ko-KR" altLang="en-US" dirty="0" smtClean="0">
-                <a:solidFill>
-                  <a:srgbClr val="FF0000"/>
-                </a:solidFill>
-              </a:rPr>
-              <a:t>벽 붙잡기</a:t>
-            </a:r>
-            <a:r>
-              <a:rPr lang="en-US" altLang="ko-KR" dirty="0" smtClean="0"/>
-              <a:t>(</a:t>
-            </a:r>
-            <a:r>
-              <a:rPr lang="ko-KR" altLang="en-US" dirty="0" smtClean="0"/>
-              <a:t>손잡이가 있는 벽을 </a:t>
-            </a:r>
-            <a:r>
-              <a:rPr lang="en-US" altLang="ko-KR" dirty="0" smtClean="0"/>
-              <a:t>R</a:t>
-            </a:r>
-            <a:r>
-              <a:rPr lang="ko-KR" altLang="en-US" dirty="0" smtClean="0"/>
-              <a:t>키를 누르고 있음으로써 붙잡고 있을 수 있다</a:t>
-            </a:r>
-            <a:r>
-              <a:rPr lang="en-US" altLang="ko-KR" dirty="0" smtClean="0"/>
-              <a:t>. </a:t>
-            </a:r>
-            <a:r>
-              <a:rPr lang="ko-KR" altLang="en-US" dirty="0" smtClean="0"/>
-              <a:t>오른쪽 벽에 붙었을 경우 왼쪽 방향키를 누른 상태에서 </a:t>
-            </a:r>
-            <a:r>
-              <a:rPr lang="ko-KR" altLang="en-US" dirty="0" err="1" smtClean="0"/>
-              <a:t>점프키를</a:t>
-            </a:r>
-            <a:r>
-              <a:rPr lang="ko-KR" altLang="en-US" dirty="0" smtClean="0"/>
-              <a:t> 누르면 </a:t>
-            </a:r>
-            <a:r>
-              <a:rPr lang="en-US" altLang="ko-KR" dirty="0" smtClean="0"/>
-              <a:t>R</a:t>
-            </a:r>
-            <a:r>
-              <a:rPr lang="ko-KR" altLang="en-US" dirty="0" smtClean="0"/>
-              <a:t>키 눌러짐 여부와 상관없이 왼쪽 상단으로 점프한다</a:t>
-            </a:r>
-            <a:r>
-              <a:rPr lang="en-US" altLang="ko-KR" dirty="0" smtClean="0"/>
-              <a:t>, </a:t>
-            </a:r>
-            <a:r>
-              <a:rPr lang="ko-KR" altLang="en-US" dirty="0" smtClean="0"/>
-              <a:t>만약 그냥 </a:t>
-            </a:r>
-            <a:r>
-              <a:rPr lang="en-US" altLang="ko-KR" dirty="0" smtClean="0"/>
-              <a:t>(</a:t>
-            </a:r>
-            <a:r>
-              <a:rPr lang="ko-KR" altLang="en-US" dirty="0" smtClean="0"/>
-              <a:t>나머지 방향</a:t>
-            </a:r>
-            <a:r>
-              <a:rPr lang="en-US" altLang="ko-KR" dirty="0" smtClean="0"/>
-              <a:t>) </a:t>
-            </a:r>
-            <a:r>
-              <a:rPr lang="ko-KR" altLang="en-US" dirty="0" err="1" smtClean="0"/>
-              <a:t>점프키를</a:t>
-            </a:r>
-            <a:r>
-              <a:rPr lang="ko-KR" altLang="en-US" dirty="0" smtClean="0"/>
-              <a:t> 누르거나 </a:t>
-            </a:r>
-            <a:r>
-              <a:rPr lang="en-US" altLang="ko-KR" dirty="0" smtClean="0"/>
-              <a:t>R</a:t>
-            </a:r>
-            <a:r>
-              <a:rPr lang="ko-KR" altLang="en-US" dirty="0" smtClean="0"/>
-              <a:t>키를 놓을 경우 밑으로 떨어진다</a:t>
-            </a:r>
-            <a:r>
-              <a:rPr lang="en-US" altLang="ko-KR" dirty="0" smtClean="0"/>
-              <a:t>.</a:t>
-            </a:r>
-          </a:p>
-          <a:p>
-            <a:r>
-              <a:rPr lang="ko-KR" altLang="en-US" dirty="0" smtClean="0">
+              <a:rPr lang="ko-KR" altLang="en-US" sz="2400" dirty="0" smtClean="0">
                 <a:solidFill>
                   <a:srgbClr val="FF0000"/>
                 </a:solidFill>
               </a:rPr>
               <a:t>점프</a:t>
             </a:r>
-            <a:endParaRPr lang="en-US" altLang="ko-KR" dirty="0" smtClean="0">
+            <a:r>
+              <a:rPr lang="en-US" altLang="ko-KR" sz="2400" dirty="0" smtClean="0"/>
+              <a:t>(</a:t>
+            </a:r>
+            <a:r>
+              <a:rPr lang="ko-KR" altLang="en-US" sz="2400" dirty="0" smtClean="0"/>
+              <a:t>공중으로 점프</a:t>
+            </a:r>
+            <a:r>
+              <a:rPr lang="en-US" altLang="ko-KR" sz="2400" dirty="0" smtClean="0"/>
+              <a:t>, space</a:t>
+            </a:r>
+            <a:r>
+              <a:rPr lang="ko-KR" altLang="en-US" sz="2400" dirty="0" smtClean="0"/>
+              <a:t>키를 누르면 뛴다</a:t>
+            </a:r>
+            <a:r>
+              <a:rPr lang="en-US" altLang="ko-KR" sz="2400" dirty="0" smtClean="0"/>
+              <a:t>. </a:t>
+            </a:r>
+            <a:r>
+              <a:rPr lang="ko-KR" altLang="en-US" sz="2400" dirty="0" smtClean="0"/>
+              <a:t>공중에서 좌우로 움직일 수 없다</a:t>
+            </a:r>
+            <a:r>
+              <a:rPr lang="en-US" altLang="ko-KR" sz="2400" dirty="0" smtClean="0"/>
+              <a:t>.</a:t>
+            </a:r>
+            <a:r>
+              <a:rPr lang="en-US" altLang="ko-KR" sz="2400" dirty="0" smtClean="0"/>
+              <a:t>)</a:t>
+            </a:r>
+            <a:endParaRPr lang="en-US" altLang="ko-KR" sz="2400" dirty="0" smtClean="0"/>
+          </a:p>
+          <a:p>
+            <a:r>
+              <a:rPr lang="ko-KR" altLang="en-US" sz="2400" dirty="0" smtClean="0">
+                <a:solidFill>
+                  <a:srgbClr val="FF0000"/>
+                </a:solidFill>
+              </a:rPr>
+              <a:t>매달리기</a:t>
+            </a:r>
+            <a:r>
+              <a:rPr lang="en-US" altLang="ko-KR" sz="2400" dirty="0" smtClean="0"/>
+              <a:t>(</a:t>
+            </a:r>
+            <a:r>
+              <a:rPr lang="ko-KR" altLang="en-US" sz="2400" dirty="0" smtClean="0"/>
+              <a:t>벽 모서리에 </a:t>
+            </a:r>
+            <a:r>
+              <a:rPr lang="ko-KR" altLang="en-US" sz="2400" dirty="0" smtClean="0"/>
+              <a:t>매달리고 있는 상태</a:t>
+            </a:r>
+            <a:r>
+              <a:rPr lang="en-US" altLang="ko-KR" sz="2400" dirty="0" smtClean="0"/>
+              <a:t>, </a:t>
+            </a:r>
+            <a:r>
+              <a:rPr lang="ko-KR" altLang="en-US" sz="2400" dirty="0" smtClean="0"/>
+              <a:t>점프 혹은 땅에 떨어지고 있는 상태에서 벽 모서리 </a:t>
+            </a:r>
+            <a:r>
+              <a:rPr lang="ko-KR" altLang="en-US" sz="2400" dirty="0" err="1" smtClean="0"/>
+              <a:t>충돌체에</a:t>
+            </a:r>
+            <a:r>
+              <a:rPr lang="ko-KR" altLang="en-US" sz="2400" dirty="0" smtClean="0"/>
+              <a:t> 닿으면 해당 벽에 붙은 채로 가만히 있게 된다</a:t>
+            </a:r>
+            <a:r>
+              <a:rPr lang="en-US" altLang="ko-KR" sz="2400" dirty="0" smtClean="0"/>
+              <a:t>. </a:t>
+            </a:r>
+            <a:r>
+              <a:rPr lang="ko-KR" altLang="en-US" sz="2400" dirty="0" smtClean="0"/>
+              <a:t>매달린 벽 반대 방향키를 누르면 매달리기가 해제되며 땅에 떨어지고 </a:t>
+            </a:r>
+            <a:r>
+              <a:rPr lang="en-US" altLang="ko-KR" sz="2400" dirty="0" smtClean="0"/>
+              <a:t>space </a:t>
+            </a:r>
+            <a:r>
+              <a:rPr lang="ko-KR" altLang="en-US" sz="2400" dirty="0" smtClean="0"/>
+              <a:t>키를 누르면 해당 땅 으로 올라간다</a:t>
+            </a:r>
+            <a:r>
+              <a:rPr lang="en-US" altLang="ko-KR" sz="2400" dirty="0" smtClean="0"/>
+              <a:t>.</a:t>
+            </a:r>
+            <a:r>
+              <a:rPr lang="en-US" altLang="ko-KR" sz="2400" dirty="0" smtClean="0"/>
+              <a:t>)</a:t>
+            </a:r>
+            <a:endParaRPr lang="en-US" altLang="ko-KR" sz="2400" dirty="0" smtClean="0"/>
+          </a:p>
+          <a:p>
+            <a:r>
+              <a:rPr lang="ko-KR" altLang="en-US" sz="2400" dirty="0" smtClean="0">
+                <a:solidFill>
+                  <a:srgbClr val="FF0000"/>
+                </a:solidFill>
+              </a:rPr>
+              <a:t>사다리 매달리기</a:t>
+            </a:r>
+            <a:r>
+              <a:rPr lang="en-US" altLang="ko-KR" sz="2400" dirty="0" smtClean="0"/>
+              <a:t>(</a:t>
+            </a:r>
+            <a:r>
+              <a:rPr lang="ko-KR" altLang="en-US" sz="2400" dirty="0" smtClean="0"/>
+              <a:t>사다리에 매달려서 가만히 있는 상태</a:t>
+            </a:r>
+            <a:r>
+              <a:rPr lang="en-US" altLang="ko-KR" sz="2400" dirty="0" smtClean="0"/>
+              <a:t>, </a:t>
+            </a:r>
+            <a:r>
+              <a:rPr lang="ko-KR" altLang="en-US" sz="2400" dirty="0" smtClean="0"/>
+              <a:t>사다리 </a:t>
+            </a:r>
+            <a:r>
+              <a:rPr lang="ko-KR" altLang="en-US" sz="2400" dirty="0" err="1" smtClean="0"/>
+              <a:t>충돌체에</a:t>
+            </a:r>
+            <a:r>
+              <a:rPr lang="ko-KR" altLang="en-US" sz="2400" dirty="0" smtClean="0"/>
+              <a:t> 닿은 상태로 위 방향키 혹은 아래 방향키를 누르면 된다</a:t>
+            </a:r>
+            <a:r>
+              <a:rPr lang="en-US" altLang="ko-KR" sz="2400" dirty="0" smtClean="0"/>
+              <a:t>. </a:t>
+            </a:r>
+            <a:r>
+              <a:rPr lang="ko-KR" altLang="en-US" sz="2400" dirty="0" smtClean="0"/>
+              <a:t>사다리가 위치한 벽 방향키를 누르면 매달리기가 해제된다</a:t>
+            </a:r>
+            <a:r>
+              <a:rPr lang="en-US" altLang="ko-KR" sz="2400" dirty="0" smtClean="0"/>
+              <a:t>.)</a:t>
+            </a:r>
+            <a:endParaRPr lang="en-US" altLang="ko-KR" sz="2400" dirty="0" smtClean="0">
               <a:solidFill>
                 <a:srgbClr val="FF0000"/>
               </a:solidFill>
@@ -3538,7 +3933,187 @@
           </a:p>
           <a:p>
             <a:r>
-              <a:rPr lang="ko-KR" altLang="en-US" dirty="0" smtClean="0">
+              <a:rPr lang="ko-KR" altLang="en-US" sz="2400" dirty="0" smtClean="0">
+                <a:solidFill>
+                  <a:srgbClr val="FF0000"/>
+                </a:solidFill>
+              </a:rPr>
+              <a:t>사다리 오르</a:t>
+            </a:r>
+            <a:r>
+              <a:rPr lang="ko-KR" altLang="en-US" sz="2400" dirty="0" smtClean="0">
+                <a:solidFill>
+                  <a:srgbClr val="FF0000"/>
+                </a:solidFill>
+              </a:rPr>
+              <a:t>내리기</a:t>
+            </a:r>
+            <a:r>
+              <a:rPr lang="en-US" altLang="ko-KR" sz="2400" dirty="0" smtClean="0"/>
+              <a:t>(</a:t>
+            </a:r>
+            <a:r>
+              <a:rPr lang="ko-KR" altLang="en-US" sz="2400" dirty="0" smtClean="0"/>
+              <a:t>사다리에 매달려서 오르내리는 상태</a:t>
+            </a:r>
+            <a:r>
+              <a:rPr lang="en-US" altLang="ko-KR" sz="2400" dirty="0" smtClean="0"/>
+              <a:t>, </a:t>
+            </a:r>
+            <a:r>
+              <a:rPr lang="ko-KR" altLang="en-US" sz="2400" dirty="0" smtClean="0"/>
+              <a:t>사다리 매달리기 상태에서 위 방향키 혹은 아래 방향키를 누르고 있으면 된다</a:t>
+            </a:r>
+            <a:r>
+              <a:rPr lang="en-US" altLang="ko-KR" sz="2400" dirty="0" smtClean="0"/>
+              <a:t>. </a:t>
+            </a:r>
+            <a:r>
+              <a:rPr lang="ko-KR" altLang="en-US" sz="2400" dirty="0"/>
+              <a:t>사다리가 위치한 벽 방향 반대로 가면 매달리기가 해제된다</a:t>
+            </a:r>
+            <a:r>
+              <a:rPr lang="en-US" altLang="ko-KR" sz="2400" dirty="0"/>
+              <a:t>.)</a:t>
+            </a:r>
+            <a:endParaRPr lang="en-US" altLang="ko-KR" sz="2400" dirty="0"/>
+          </a:p>
+        </p:txBody>
+      </p:sp>
+    </p:spTree>
+    <p:extLst>
+      <p:ext uri="{BB962C8B-B14F-4D97-AF65-F5344CB8AC3E}">
+        <p14:creationId xmlns:p14="http://schemas.microsoft.com/office/powerpoint/2010/main" val="4011654830"/>
+      </p:ext>
+    </p:extLst>
+  </p:cSld>
+  <p:clrMapOvr>
+    <a:masterClrMapping/>
+  </p:clrMapOvr>
+  <p:timing>
+    <p:tnLst>
+      <p:par>
+        <p:cTn id="1" dur="indefinite" restart="never" nodeType="tmRoot"/>
+      </p:par>
+    </p:tnLst>
+  </p:timing>
+</p:sld>
+</file>
+
+<file path=ppt/slides/slide13.xml><?xml version="1.0" encoding="utf-8"?>
+<p:sld xmlns:a="http://schemas.openxmlformats.org/drawingml/2006/main" xmlns:r="http://schemas.openxmlformats.org/officeDocument/2006/relationships" xmlns:p="http://schemas.openxmlformats.org/presentationml/2006/main">
+  <p:cSld>
+    <p:spTree>
+      <p:nvGrpSpPr>
+        <p:cNvPr id="1" name=""/>
+        <p:cNvGrpSpPr/>
+        <p:nvPr/>
+      </p:nvGrpSpPr>
+      <p:grpSpPr>
+        <a:xfrm>
+          <a:off x="0" y="0"/>
+          <a:ext cx="0" cy="0"/>
+          <a:chOff x="0" y="0"/>
+          <a:chExt cx="0" cy="0"/>
+        </a:xfrm>
+      </p:grpSpPr>
+      <p:sp>
+        <p:nvSpPr>
+          <p:cNvPr id="2" name="제목 1"/>
+          <p:cNvSpPr>
+            <a:spLocks noGrp="1"/>
+          </p:cNvSpPr>
+          <p:nvPr>
+            <p:ph type="title"/>
+          </p:nvPr>
+        </p:nvSpPr>
+        <p:spPr/>
+        <p:txBody>
+          <a:bodyPr/>
+          <a:lstStyle/>
+          <a:p>
+            <a:r>
+              <a:rPr lang="ko-KR" altLang="en-US" dirty="0" smtClean="0"/>
+              <a:t>게임 용어 정리 </a:t>
+            </a:r>
+            <a:r>
+              <a:rPr lang="en-US" altLang="ko-KR" dirty="0" smtClean="0"/>
+              <a:t>– </a:t>
+            </a:r>
+            <a:r>
+              <a:rPr lang="ko-KR" altLang="en-US" dirty="0" err="1" smtClean="0"/>
+              <a:t>케릭터</a:t>
+            </a:r>
+            <a:r>
+              <a:rPr lang="ko-KR" altLang="en-US" dirty="0" smtClean="0"/>
+              <a:t> </a:t>
+            </a:r>
+            <a:r>
+              <a:rPr lang="ko-KR" altLang="en-US" dirty="0" smtClean="0"/>
+              <a:t>행동</a:t>
+            </a:r>
+            <a:r>
+              <a:rPr lang="en-US" altLang="ko-KR" dirty="0"/>
+              <a:t>3</a:t>
+            </a:r>
+            <a:endParaRPr lang="ko-KR" altLang="en-US" dirty="0"/>
+          </a:p>
+        </p:txBody>
+      </p:sp>
+      <p:sp>
+        <p:nvSpPr>
+          <p:cNvPr id="3" name="내용 개체 틀 2"/>
+          <p:cNvSpPr>
+            <a:spLocks noGrp="1"/>
+          </p:cNvSpPr>
+          <p:nvPr>
+            <p:ph idx="1"/>
+          </p:nvPr>
+        </p:nvSpPr>
+        <p:spPr/>
+        <p:txBody>
+          <a:bodyPr>
+            <a:normAutofit/>
+          </a:bodyPr>
+          <a:lstStyle/>
+          <a:p>
+            <a:r>
+              <a:rPr lang="ko-KR" altLang="en-US" sz="2400" dirty="0" smtClean="0">
+                <a:solidFill>
+                  <a:srgbClr val="FF0000"/>
+                </a:solidFill>
+              </a:rPr>
+              <a:t>물건 던지기</a:t>
+            </a:r>
+            <a:r>
+              <a:rPr lang="en-US" altLang="ko-KR" sz="2400" dirty="0" smtClean="0"/>
+              <a:t>(</a:t>
+            </a:r>
+            <a:r>
+              <a:rPr lang="ko-KR" altLang="en-US" sz="2400" dirty="0" smtClean="0"/>
+              <a:t>물건을 던지는 것</a:t>
+            </a:r>
+            <a:r>
+              <a:rPr lang="en-US" altLang="ko-KR" sz="2400" dirty="0" smtClean="0"/>
+              <a:t>, </a:t>
+            </a:r>
+            <a:r>
+              <a:rPr lang="ko-KR" altLang="en-US" sz="2400" dirty="0" smtClean="0"/>
+              <a:t>들 수 있는 상호작용 오브젝트를 든 상태로 마우스 클릭 버튼을 누르면 던진다</a:t>
+            </a:r>
+            <a:r>
+              <a:rPr lang="en-US" altLang="ko-KR" sz="2400" dirty="0" smtClean="0"/>
+              <a:t>.</a:t>
+            </a:r>
+            <a:r>
+              <a:rPr lang="en-US" altLang="ko-KR" sz="2400" dirty="0" smtClean="0"/>
+              <a:t>)</a:t>
+            </a:r>
+            <a:endParaRPr lang="en-US" altLang="ko-KR" sz="2400" dirty="0" smtClean="0"/>
+          </a:p>
+          <a:p>
+            <a:r>
+              <a:rPr lang="ko-KR" altLang="en-US" sz="2400" dirty="0" smtClean="0">
                 <a:solidFill>
                   <a:srgbClr val="FF0000"/>
                 </a:solidFill>
@@ -3546,41 +4121,183 @@
               <a:t>구르기</a:t>
             </a:r>
             <a:r>
-              <a:rPr lang="en-US" altLang="ko-KR" dirty="0" smtClean="0"/>
+              <a:rPr lang="en-US" altLang="ko-KR" sz="2400" dirty="0" smtClean="0"/>
               <a:t>(</a:t>
             </a:r>
             <a:r>
-              <a:rPr lang="ko-KR" altLang="en-US" dirty="0" smtClean="0"/>
-              <a:t>순식간에 단거리를 이동한다</a:t>
-            </a:r>
-            <a:r>
-              <a:rPr lang="en-US" altLang="ko-KR" dirty="0" smtClean="0"/>
+              <a:rPr lang="ko-KR" altLang="en-US" sz="2400" dirty="0" smtClean="0"/>
+              <a:t>빠르게 구른다</a:t>
+            </a:r>
+            <a:r>
+              <a:rPr lang="en-US" altLang="ko-KR" sz="2400" dirty="0" smtClean="0"/>
+              <a:t>, </a:t>
+            </a:r>
+            <a:r>
+              <a:rPr lang="ko-KR" altLang="en-US" sz="2400" dirty="0" smtClean="0"/>
+              <a:t>뛰기 상태에서 </a:t>
+            </a:r>
+            <a:r>
+              <a:rPr lang="en-US" altLang="ko-KR" sz="2400" dirty="0" smtClean="0"/>
+              <a:t>shift</a:t>
+            </a:r>
+            <a:r>
+              <a:rPr lang="ko-KR" altLang="en-US" sz="2400" dirty="0" smtClean="0"/>
+              <a:t>키를 누르면 구른다</a:t>
+            </a:r>
+            <a:r>
+              <a:rPr lang="en-US" altLang="ko-KR" sz="2400" dirty="0" smtClean="0"/>
               <a:t>. </a:t>
             </a:r>
             <a:r>
-              <a:rPr lang="ko-KR" altLang="en-US" dirty="0" smtClean="0"/>
-              <a:t>경직 시간 때문에 그냥 뛰는 것과 속도는 결국 같다</a:t>
-            </a:r>
-            <a:r>
-              <a:rPr lang="en-US" altLang="ko-KR" dirty="0" smtClean="0"/>
+              <a:rPr lang="ko-KR" altLang="en-US" sz="2400" dirty="0" err="1" smtClean="0"/>
+              <a:t>충돌체가</a:t>
+            </a:r>
+            <a:r>
+              <a:rPr lang="ko-KR" altLang="en-US" sz="2400" dirty="0" smtClean="0"/>
+              <a:t> 줄어들고 이동속도가 빨라진다</a:t>
+            </a:r>
+            <a:r>
+              <a:rPr lang="en-US" altLang="ko-KR" sz="2400" dirty="0" smtClean="0"/>
               <a:t>. </a:t>
             </a:r>
             <a:r>
-              <a:rPr lang="ko-KR" altLang="en-US" dirty="0" smtClean="0"/>
-              <a:t>총알을 피하거나 할 수 없지만 위에서 떨어지는 오브젝트를 피할 수는 있다</a:t>
-            </a:r>
-            <a:r>
-              <a:rPr lang="en-US" altLang="ko-KR" dirty="0" smtClean="0"/>
+              <a:rPr lang="ko-KR" altLang="en-US" sz="2400" dirty="0" smtClean="0"/>
+              <a:t>하지만 구르기가 끝난 후 잠시 동안 경직된다</a:t>
+            </a:r>
+            <a:r>
+              <a:rPr lang="en-US" altLang="ko-KR" sz="2400" dirty="0" smtClean="0"/>
+              <a:t>. </a:t>
+            </a:r>
+            <a:r>
+              <a:rPr lang="ko-KR" altLang="en-US" sz="2400" dirty="0" smtClean="0"/>
+              <a:t>또한 적들 시야 </a:t>
+            </a:r>
+            <a:r>
+              <a:rPr lang="en-US" altLang="ko-KR" sz="2400" dirty="0" smtClean="0"/>
+              <a:t>ray</a:t>
+            </a:r>
+            <a:r>
+              <a:rPr lang="ko-KR" altLang="en-US" sz="2400" dirty="0" smtClean="0"/>
+              <a:t>에 맞지 않게 된다</a:t>
+            </a:r>
+            <a:r>
+              <a:rPr lang="en-US" altLang="ko-KR" sz="2400" dirty="0" smtClean="0"/>
+              <a:t>.</a:t>
+            </a:r>
+            <a:r>
+              <a:rPr lang="en-US" altLang="ko-KR" sz="2400" dirty="0" smtClean="0"/>
               <a:t>)</a:t>
             </a:r>
-            <a:endParaRPr lang="en-US" altLang="ko-KR" dirty="0"/>
+            <a:endParaRPr lang="en-US" altLang="ko-KR" sz="2400" dirty="0" smtClean="0"/>
+          </a:p>
+          <a:p>
+            <a:r>
+              <a:rPr lang="ko-KR" altLang="en-US" sz="2400" dirty="0" smtClean="0">
+                <a:solidFill>
+                  <a:srgbClr val="FF0000"/>
+                </a:solidFill>
+              </a:rPr>
+              <a:t>시간 </a:t>
+            </a:r>
+            <a:r>
+              <a:rPr lang="ko-KR" altLang="en-US" sz="2400" dirty="0" err="1" smtClean="0">
+                <a:solidFill>
+                  <a:srgbClr val="FF0000"/>
+                </a:solidFill>
+              </a:rPr>
+              <a:t>스위칭</a:t>
+            </a:r>
+            <a:r>
+              <a:rPr lang="en-US" altLang="ko-KR" sz="2400" dirty="0" smtClean="0"/>
+              <a:t>(tab</a:t>
+            </a:r>
+            <a:r>
+              <a:rPr lang="ko-KR" altLang="en-US" sz="2400" dirty="0" smtClean="0"/>
+              <a:t>키를 누르면 시간을 </a:t>
+            </a:r>
+            <a:r>
+              <a:rPr lang="ko-KR" altLang="en-US" sz="2400" dirty="0" err="1" smtClean="0"/>
+              <a:t>스위칭</a:t>
+            </a:r>
+            <a:r>
+              <a:rPr lang="ko-KR" altLang="en-US" sz="2400" dirty="0" smtClean="0"/>
+              <a:t> 한다</a:t>
+            </a:r>
+            <a:r>
+              <a:rPr lang="en-US" altLang="ko-KR" sz="2400" dirty="0" smtClean="0"/>
+              <a:t>.)</a:t>
+            </a:r>
+            <a:endParaRPr lang="en-US" altLang="ko-KR" sz="2400" dirty="0" smtClean="0">
+              <a:solidFill>
+                <a:srgbClr val="FF0000"/>
+              </a:solidFill>
+            </a:endParaRPr>
+          </a:p>
+          <a:p>
+            <a:r>
+              <a:rPr lang="ko-KR" altLang="en-US" sz="2400" dirty="0" smtClean="0">
+                <a:solidFill>
+                  <a:srgbClr val="FF0000"/>
+                </a:solidFill>
+              </a:rPr>
+              <a:t>전기 </a:t>
+            </a:r>
+            <a:r>
+              <a:rPr lang="ko-KR" altLang="en-US" sz="2400" dirty="0" err="1" smtClean="0">
+                <a:solidFill>
+                  <a:srgbClr val="FF0000"/>
+                </a:solidFill>
+              </a:rPr>
+              <a:t>충격기</a:t>
+            </a:r>
+            <a:r>
+              <a:rPr lang="ko-KR" altLang="en-US" sz="2400" dirty="0" smtClean="0">
+                <a:solidFill>
+                  <a:srgbClr val="FF0000"/>
+                </a:solidFill>
+              </a:rPr>
+              <a:t> 공격</a:t>
+            </a:r>
+            <a:r>
+              <a:rPr lang="en-US" altLang="ko-KR" sz="2400" dirty="0" smtClean="0"/>
+              <a:t>(</a:t>
+            </a:r>
+            <a:r>
+              <a:rPr lang="ko-KR" altLang="en-US" sz="2400" dirty="0" smtClean="0"/>
+              <a:t>적 가까이에서 적이 </a:t>
+            </a:r>
+            <a:r>
+              <a:rPr lang="en-US" altLang="ko-KR" sz="2400" dirty="0" err="1" smtClean="0"/>
+              <a:t>isDetected</a:t>
+            </a:r>
+            <a:r>
+              <a:rPr lang="ko-KR" altLang="en-US" sz="2400" dirty="0" smtClean="0"/>
+              <a:t>가 아닌 상태에서 마우스 클릭을 하면 전기 </a:t>
+            </a:r>
+            <a:r>
+              <a:rPr lang="ko-KR" altLang="en-US" sz="2400" dirty="0" err="1" smtClean="0"/>
+              <a:t>충격기로</a:t>
+            </a:r>
+            <a:r>
+              <a:rPr lang="ko-KR" altLang="en-US" sz="2400" dirty="0" smtClean="0"/>
+              <a:t> 공격을 한다</a:t>
+            </a:r>
+            <a:r>
+              <a:rPr lang="en-US" altLang="ko-KR" sz="2400" dirty="0" smtClean="0"/>
+              <a:t>.</a:t>
+            </a:r>
+            <a:r>
+              <a:rPr lang="en-US" altLang="ko-KR" sz="2400" dirty="0" smtClean="0"/>
+              <a:t>)</a:t>
+            </a:r>
+            <a:endParaRPr lang="en-US" altLang="ko-KR" sz="2400" dirty="0"/>
           </a:p>
         </p:txBody>
       </p:sp>
     </p:spTree>
     <p:extLst>
       <p:ext uri="{BB962C8B-B14F-4D97-AF65-F5344CB8AC3E}">
-        <p14:creationId xmlns:p14="http://schemas.microsoft.com/office/powerpoint/2010/main" val="3003005805"/>
+        <p14:creationId xmlns:p14="http://schemas.microsoft.com/office/powerpoint/2010/main" val="2977182277"/>
       </p:ext>
     </p:extLst>
   </p:cSld>
@@ -6331,11 +7048,6 @@
               </a:rPr>
               <a:t>.</a:t>
             </a:r>
-            <a:endParaRPr lang="en-US" altLang="ko-KR" dirty="0" smtClean="0">
-              <a:solidFill>
-                <a:srgbClr val="FF0000"/>
-              </a:solidFill>
-            </a:endParaRPr>
           </a:p>
           <a:p>
             <a:pPr marL="0" indent="0">

--- a/Documents/기획/시스템기획/게임플레이기획_시스템.pptx
+++ b/Documents/기획/시스템기획/게임플레이기획_시스템.pptx
@@ -3135,11 +3135,7 @@
             </a:r>
             <a:r>
               <a:rPr lang="ko-KR" altLang="en-US" dirty="0" smtClean="0"/>
-              <a:t>들고 던질 수 있는 </a:t>
-            </a:r>
-            <a:r>
-              <a:rPr lang="ko-KR" altLang="en-US" dirty="0" smtClean="0"/>
-              <a:t>드럼통</a:t>
+              <a:t>들고 던질 수 있는 드럼통</a:t>
             </a:r>
             <a:r>
               <a:rPr lang="en-US" altLang="ko-KR" dirty="0" smtClean="0"/>
@@ -3159,46 +3155,18 @@
             </a:r>
             <a:r>
               <a:rPr lang="ko-KR" altLang="en-US" dirty="0" smtClean="0"/>
-              <a:t> 나눠야 </a:t>
-            </a:r>
-            <a:r>
-              <a:rPr lang="ko-KR" altLang="en-US" dirty="0" smtClean="0"/>
+              <a:t> </a:t>
+            </a:r>
+            <a:r>
+              <a:rPr lang="ko-KR" altLang="en-US" smtClean="0"/>
+              <a:t>나눠야 </a:t>
+            </a:r>
+            <a:r>
+              <a:rPr lang="ko-KR" altLang="en-US" smtClean="0"/>
               <a:t>한다</a:t>
             </a:r>
             <a:r>
-              <a:rPr lang="en-US" altLang="ko-KR" dirty="0" smtClean="0"/>
-              <a:t>, </a:t>
-            </a:r>
-            <a:r>
-              <a:rPr lang="ko-KR" altLang="en-US" dirty="0" smtClean="0"/>
-              <a:t>상호작용 오브젝트의 일부로 숨을 수 있는 오브젝트가 있다</a:t>
-            </a:r>
-            <a:r>
-              <a:rPr lang="en-US" altLang="ko-KR" dirty="0" smtClean="0"/>
-              <a:t>. </a:t>
-            </a:r>
-            <a:r>
-              <a:rPr lang="ko-KR" altLang="en-US" dirty="0" smtClean="0"/>
-              <a:t>이 오브젝트에 숨은 상태에서 타임 </a:t>
-            </a:r>
-            <a:r>
-              <a:rPr lang="ko-KR" altLang="en-US" dirty="0" err="1" smtClean="0"/>
-              <a:t>스위칭을</a:t>
-            </a:r>
-            <a:r>
-              <a:rPr lang="ko-KR" altLang="en-US" dirty="0" smtClean="0"/>
-              <a:t> </a:t>
-            </a:r>
-            <a:r>
-              <a:rPr lang="ko-KR" altLang="en-US" dirty="0" err="1" smtClean="0"/>
-              <a:t>시전하면</a:t>
-            </a:r>
-            <a:r>
-              <a:rPr lang="ko-KR" altLang="en-US" dirty="0" smtClean="0"/>
-              <a:t> 플레이어는 일반 상태로 돌아간다</a:t>
-            </a:r>
-            <a:r>
-              <a:rPr lang="en-US" altLang="ko-KR" dirty="0" smtClean="0"/>
+              <a:rPr lang="en-US" altLang="ko-KR" smtClean="0"/>
               <a:t>)</a:t>
             </a:r>
             <a:endParaRPr lang="en-US" altLang="ko-KR" dirty="0" smtClean="0"/>
@@ -3288,11 +3256,7 @@
             </a:r>
             <a:r>
               <a:rPr lang="ko-KR" altLang="en-US" dirty="0" smtClean="0"/>
-              <a:t>플레이어와 </a:t>
-            </a:r>
-            <a:r>
-              <a:rPr lang="ko-KR" altLang="en-US" dirty="0" smtClean="0"/>
-              <a:t>다른 </a:t>
+              <a:t>플레이어와 다른 </a:t>
             </a:r>
             <a:r>
               <a:rPr lang="ko-KR" altLang="en-US" dirty="0" err="1" smtClean="0"/>
@@ -3300,11 +3264,7 @@
             </a:r>
             <a:r>
               <a:rPr lang="ko-KR" altLang="en-US" dirty="0" smtClean="0"/>
-              <a:t> 충돌하고 </a:t>
-            </a:r>
-            <a:r>
-              <a:rPr lang="ko-KR" altLang="en-US" dirty="0" smtClean="0"/>
-              <a:t>있는 상태에서는 그 시간대로 이동할 수 없게 한다</a:t>
+              <a:t> 충돌하고 있는 상태에서는 그 시간대로 이동할 수 없게 한다</a:t>
             </a:r>
             <a:r>
               <a:rPr lang="en-US" altLang="ko-KR" dirty="0" smtClean="0"/>
@@ -3406,11 +3366,7 @@
             </a:r>
             <a:r>
               <a:rPr lang="ko-KR" altLang="en-US" dirty="0" smtClean="0"/>
-              <a:t> </a:t>
-            </a:r>
-            <a:r>
-              <a:rPr lang="ko-KR" altLang="en-US" dirty="0" smtClean="0"/>
-              <a:t>행동</a:t>
+              <a:t> 행동</a:t>
             </a:r>
             <a:r>
               <a:rPr lang="en-US" altLang="ko-KR" dirty="0" smtClean="0"/>
@@ -3513,7 +3469,6 @@
               <a:rPr lang="en-US" altLang="ko-KR" sz="2400" dirty="0" smtClean="0"/>
               <a:t>)</a:t>
             </a:r>
-            <a:endParaRPr lang="en-US" altLang="ko-KR" sz="2400" dirty="0" smtClean="0"/>
           </a:p>
           <a:p>
             <a:r>
@@ -3534,11 +3489,7 @@
             </a:r>
             <a:r>
               <a:rPr lang="en-US" altLang="ko-KR" sz="2400" dirty="0" smtClean="0"/>
-              <a:t>, c</a:t>
-            </a:r>
-            <a:r>
-              <a:rPr lang="en-US" altLang="ko-KR" sz="2400" dirty="0" smtClean="0"/>
-              <a:t>trl</a:t>
+              <a:t>, ctrl</a:t>
             </a:r>
             <a:r>
               <a:rPr lang="ko-KR" altLang="en-US" sz="2400" dirty="0" smtClean="0"/>
@@ -3560,7 +3511,6 @@
               <a:rPr lang="en-US" altLang="ko-KR" sz="2400" dirty="0" smtClean="0"/>
               <a:t>)</a:t>
             </a:r>
-            <a:endParaRPr lang="en-US" altLang="ko-KR" sz="2400" dirty="0" smtClean="0"/>
           </a:p>
           <a:p>
             <a:r>
@@ -3625,56 +3575,17 @@
             </a:r>
             <a:r>
               <a:rPr lang="ko-KR" altLang="en-US" sz="2400" dirty="0" smtClean="0"/>
-              <a:t> 가지게 되고 이동속도는 반감된다</a:t>
-            </a:r>
-            <a:r>
-              <a:rPr lang="en-US" altLang="ko-KR" sz="2400" dirty="0" smtClean="0"/>
-              <a:t>)</a:t>
+              <a:t> 가지게 되고 이동속도는 </a:t>
+            </a:r>
+            <a:r>
+              <a:rPr lang="ko-KR" altLang="en-US" sz="2400" dirty="0" smtClean="0"/>
+              <a:t>반감된다</a:t>
             </a:r>
             <a:endParaRPr lang="en-US" altLang="ko-KR" sz="2400" dirty="0" smtClean="0">
               <a:solidFill>
                 <a:srgbClr val="FF0000"/>
               </a:solidFill>
             </a:endParaRPr>
-          </a:p>
-          <a:p>
-            <a:r>
-              <a:rPr lang="ko-KR" altLang="en-US" sz="2400" dirty="0" smtClean="0">
-                <a:solidFill>
-                  <a:srgbClr val="FF0000"/>
-                </a:solidFill>
-              </a:rPr>
-              <a:t>숨기</a:t>
-            </a:r>
-            <a:r>
-              <a:rPr lang="en-US" altLang="ko-KR" sz="2400" dirty="0" smtClean="0"/>
-              <a:t>(</a:t>
-            </a:r>
-            <a:r>
-              <a:rPr lang="ko-KR" altLang="en-US" sz="2400" dirty="0" smtClean="0"/>
-              <a:t>특정 상호작용 오브젝트에 숨어있는 상태</a:t>
-            </a:r>
-            <a:r>
-              <a:rPr lang="en-US" altLang="ko-KR" sz="2400" dirty="0" smtClean="0"/>
-              <a:t>, </a:t>
-            </a:r>
-            <a:r>
-              <a:rPr lang="ko-KR" altLang="en-US" sz="2400" dirty="0" smtClean="0"/>
-              <a:t>숨을 수 있는 오브젝트 근처에서 상호작용 키를 누르면 숨기 상태로 변환된다</a:t>
-            </a:r>
-            <a:r>
-              <a:rPr lang="en-US" altLang="ko-KR" sz="2400" dirty="0" smtClean="0"/>
-              <a:t>. </a:t>
-            </a:r>
-            <a:r>
-              <a:rPr lang="ko-KR" altLang="en-US" sz="2400" dirty="0" smtClean="0"/>
-              <a:t>다시 키를 눌러야만 일반 상태로 돌아올 수 있다</a:t>
-            </a:r>
-            <a:r>
-              <a:rPr lang="en-US" altLang="ko-KR" sz="2400" dirty="0" smtClean="0"/>
-              <a:t>.)</a:t>
-            </a:r>
-            <a:endParaRPr lang="en-US" altLang="ko-KR" sz="2400" dirty="0"/>
           </a:p>
         </p:txBody>
       </p:sp>
@@ -3744,11 +3655,7 @@
             </a:r>
             <a:r>
               <a:rPr lang="ko-KR" altLang="en-US" dirty="0" smtClean="0"/>
-              <a:t> </a:t>
-            </a:r>
-            <a:r>
-              <a:rPr lang="ko-KR" altLang="en-US" dirty="0" smtClean="0"/>
-              <a:t>행동</a:t>
+              <a:t> 행동</a:t>
             </a:r>
             <a:r>
               <a:rPr lang="en-US" altLang="ko-KR" dirty="0"/>
@@ -3809,13 +3716,8 @@
             </a:r>
             <a:r>
               <a:rPr lang="en-US" altLang="ko-KR" sz="2400" dirty="0" smtClean="0"/>
-              <a:t>.</a:t>
-            </a:r>
-            <a:r>
-              <a:rPr lang="en-US" altLang="ko-KR" sz="2400" dirty="0" smtClean="0"/>
-              <a:t>)</a:t>
-            </a:r>
-            <a:endParaRPr lang="en-US" altLang="ko-KR" sz="2400" dirty="0" smtClean="0"/>
+              <a:t>.)</a:t>
+            </a:r>
           </a:p>
           <a:p>
             <a:r>
@@ -3832,11 +3734,7 @@
             </a:r>
             <a:r>
               <a:rPr lang="ko-KR" altLang="en-US" sz="2400" dirty="0" smtClean="0"/>
-              <a:t>벽 모서리에 </a:t>
-            </a:r>
-            <a:r>
-              <a:rPr lang="ko-KR" altLang="en-US" sz="2400" dirty="0" smtClean="0"/>
-              <a:t>매달리고 있는 상태</a:t>
+              <a:t>벽 모서리에 매달리고 있는 상태</a:t>
             </a:r>
             <a:r>
               <a:rPr lang="en-US" altLang="ko-KR" sz="2400" dirty="0" smtClean="0"/>
@@ -3872,13 +3770,8 @@
             </a:r>
             <a:r>
               <a:rPr lang="en-US" altLang="ko-KR" sz="2400" dirty="0" smtClean="0"/>
-              <a:t>.</a:t>
-            </a:r>
-            <a:r>
-              <a:rPr lang="en-US" altLang="ko-KR" sz="2400" dirty="0" smtClean="0"/>
-              <a:t>)</a:t>
-            </a:r>
-            <a:endParaRPr lang="en-US" altLang="ko-KR" sz="2400" dirty="0" smtClean="0"/>
+              <a:t>.)</a:t>
+            </a:r>
           </a:p>
           <a:p>
             <a:r>
@@ -3938,15 +3831,7 @@
                   <a:srgbClr val="FF0000"/>
                 </a:solidFill>
               </a:rPr>
-              <a:t>사다리 오르</a:t>
-            </a:r>
-            <a:r>
-              <a:rPr lang="ko-KR" altLang="en-US" sz="2400" dirty="0" smtClean="0">
-                <a:solidFill>
-                  <a:srgbClr val="FF0000"/>
-                </a:solidFill>
-              </a:rPr>
-              <a:t>내리기</a:t>
+              <a:t>사다리 오르내리기</a:t>
             </a:r>
             <a:r>
               <a:rPr lang="en-US" altLang="ko-KR" sz="2400" dirty="0" smtClean="0"/>
@@ -3976,7 +3861,6 @@
               <a:rPr lang="en-US" altLang="ko-KR" sz="2400" dirty="0"/>
               <a:t>.)</a:t>
             </a:r>
-            <a:endParaRPr lang="en-US" altLang="ko-KR" sz="2400" dirty="0"/>
           </a:p>
         </p:txBody>
       </p:sp>
@@ -4046,11 +3930,7 @@
             </a:r>
             <a:r>
               <a:rPr lang="ko-KR" altLang="en-US" dirty="0" smtClean="0"/>
-              <a:t> </a:t>
-            </a:r>
-            <a:r>
-              <a:rPr lang="ko-KR" altLang="en-US" dirty="0" smtClean="0"/>
-              <a:t>행동</a:t>
+              <a:t> 행동</a:t>
             </a:r>
             <a:r>
               <a:rPr lang="en-US" altLang="ko-KR" dirty="0"/>
@@ -4099,100 +3979,32 @@
             </a:r>
             <a:r>
               <a:rPr lang="ko-KR" altLang="en-US" sz="2400" dirty="0" smtClean="0"/>
-              <a:t>들 수 있는 상호작용 오브젝트를 든 상태로 마우스 클릭 버튼을 누르면 던진다</a:t>
+              <a:t>들 수 있는 상호작용 오브젝트를 든 상태</a:t>
             </a:r>
             <a:r>
               <a:rPr lang="en-US" altLang="ko-KR" sz="2400" dirty="0" smtClean="0"/>
-              <a:t>.</a:t>
+              <a:t>(e</a:t>
+            </a:r>
+            <a:r>
+              <a:rPr lang="ko-KR" altLang="en-US" sz="2400" dirty="0" smtClean="0"/>
+              <a:t>버튼</a:t>
             </a:r>
             <a:r>
               <a:rPr lang="en-US" altLang="ko-KR" sz="2400" dirty="0" smtClean="0"/>
               <a:t>)</a:t>
             </a:r>
-            <a:endParaRPr lang="en-US" altLang="ko-KR" sz="2400" dirty="0" smtClean="0"/>
-          </a:p>
-          <a:p>
-            <a:r>
-              <a:rPr lang="ko-KR" altLang="en-US" sz="2400" dirty="0" smtClean="0">
-                <a:solidFill>
-                  <a:srgbClr val="FF0000"/>
-                </a:solidFill>
-              </a:rPr>
-              <a:t>구르기</a:t>
+            <a:r>
+              <a:rPr lang="ko-KR" altLang="en-US" sz="2400" dirty="0" smtClean="0"/>
+              <a:t>로 마우스 클릭 버튼을 누르면 던진다</a:t>
             </a:r>
             <a:r>
               <a:rPr lang="en-US" altLang="ko-KR" sz="2400" dirty="0" smtClean="0"/>
-              <a:t>(</a:t>
-            </a:r>
-            <a:r>
-              <a:rPr lang="ko-KR" altLang="en-US" sz="2400" dirty="0" smtClean="0"/>
-              <a:t>빠르게 구른다</a:t>
-            </a:r>
-            <a:r>
-              <a:rPr lang="en-US" altLang="ko-KR" sz="2400" dirty="0" smtClean="0"/>
-              <a:t>, </a:t>
-            </a:r>
-            <a:r>
-              <a:rPr lang="ko-KR" altLang="en-US" sz="2400" dirty="0" smtClean="0"/>
-              <a:t>뛰기 상태에서 </a:t>
-            </a:r>
-            <a:r>
-              <a:rPr lang="en-US" altLang="ko-KR" sz="2400" dirty="0" smtClean="0"/>
-              <a:t>shift</a:t>
-            </a:r>
-            <a:r>
-              <a:rPr lang="ko-KR" altLang="en-US" sz="2400" dirty="0" smtClean="0"/>
-              <a:t>키를 누르면 구른다</a:t>
-            </a:r>
-            <a:r>
-              <a:rPr lang="en-US" altLang="ko-KR" sz="2400" dirty="0" smtClean="0"/>
-              <a:t>. </a:t>
-            </a:r>
-            <a:r>
-              <a:rPr lang="ko-KR" altLang="en-US" sz="2400" dirty="0" err="1" smtClean="0"/>
-              <a:t>충돌체가</a:t>
-            </a:r>
-            <a:r>
-              <a:rPr lang="ko-KR" altLang="en-US" sz="2400" dirty="0" smtClean="0"/>
-              <a:t> 줄어들고 이동속도가 빨라진다</a:t>
-            </a:r>
-            <a:r>
-              <a:rPr lang="en-US" altLang="ko-KR" sz="2400" dirty="0" smtClean="0"/>
-              <a:t>. </a:t>
-            </a:r>
-            <a:r>
-              <a:rPr lang="ko-KR" altLang="en-US" sz="2400" dirty="0" smtClean="0"/>
-              <a:t>하지만 구르기가 끝난 후 잠시 동안 경직된다</a:t>
-            </a:r>
-            <a:r>
-              <a:rPr lang="en-US" altLang="ko-KR" sz="2400" dirty="0" smtClean="0"/>
-              <a:t>. </a:t>
-            </a:r>
-            <a:r>
-              <a:rPr lang="ko-KR" altLang="en-US" sz="2400" dirty="0" smtClean="0"/>
-              <a:t>또한 적들 시야 </a:t>
-            </a:r>
-            <a:r>
-              <a:rPr lang="en-US" altLang="ko-KR" sz="2400" dirty="0" smtClean="0"/>
-              <a:t>ray</a:t>
-            </a:r>
-            <a:r>
-              <a:rPr lang="ko-KR" altLang="en-US" sz="2400" dirty="0" smtClean="0"/>
-              <a:t>에 맞지 않게 된다</a:t>
-            </a:r>
-            <a:r>
-              <a:rPr lang="en-US" altLang="ko-KR" sz="2400" dirty="0" smtClean="0"/>
-              <a:t>.</a:t>
-            </a:r>
-            <a:r>
-              <a:rPr lang="en-US" altLang="ko-KR" sz="2400" dirty="0" smtClean="0"/>
-              <a:t>)</a:t>
-            </a:r>
-            <a:endParaRPr lang="en-US" altLang="ko-KR" sz="2400" dirty="0" smtClean="0"/>
-          </a:p>
-          <a:p>
-            <a:r>
-              <a:rPr lang="ko-KR" altLang="en-US" sz="2400" dirty="0" smtClean="0">
+              <a:t>.)</a:t>
+            </a:r>
+          </a:p>
+          <a:p>
+            <a:r>
+              <a:rPr lang="ko-KR" altLang="en-US" sz="2400" smtClean="0">
                 <a:solidFill>
                   <a:srgbClr val="FF0000"/>
                 </a:solidFill>
@@ -4272,7 +4084,7 @@
             </a:r>
             <a:r>
               <a:rPr lang="ko-KR" altLang="en-US" sz="2400" dirty="0" smtClean="0"/>
-              <a:t>가 아닌 상태에서 마우스 클릭을 하면 전기 </a:t>
+              <a:t>가 아닌 상태에서 마우스 왼쪽클릭을 하면 전기 </a:t>
             </a:r>
             <a:r>
               <a:rPr lang="ko-KR" altLang="en-US" sz="2400" dirty="0" err="1" smtClean="0"/>
@@ -4280,15 +4092,11 @@
             </a:r>
             <a:r>
               <a:rPr lang="ko-KR" altLang="en-US" sz="2400" dirty="0" smtClean="0"/>
-              <a:t> 공격을 한다</a:t>
+              <a:t> 적을 공격 한다</a:t>
             </a:r>
             <a:r>
               <a:rPr lang="en-US" altLang="ko-KR" sz="2400" dirty="0" smtClean="0"/>
-              <a:t>.</a:t>
-            </a:r>
-            <a:r>
-              <a:rPr lang="en-US" altLang="ko-KR" sz="2400" dirty="0" smtClean="0"/>
-              <a:t>)</a:t>
+              <a:t>.)</a:t>
             </a:r>
             <a:endParaRPr lang="en-US" altLang="ko-KR" sz="2400" dirty="0"/>
           </a:p>

--- a/Documents/기획/시스템기획/게임플레이기획_시스템.pptx
+++ b/Documents/기획/시스템기획/게임플레이기획_시스템.pptx
@@ -3135,11 +3135,7 @@
             </a:r>
             <a:r>
               <a:rPr lang="ko-KR" altLang="en-US" dirty="0" smtClean="0"/>
-              <a:t>들고 던질 수 있는 </a:t>
-            </a:r>
-            <a:r>
-              <a:rPr lang="ko-KR" altLang="en-US" dirty="0" smtClean="0"/>
-              <a:t>드럼통</a:t>
+              <a:t>들고 던질 수 있는 드럼통</a:t>
             </a:r>
             <a:r>
               <a:rPr lang="en-US" altLang="ko-KR" dirty="0" smtClean="0"/>
@@ -3159,11 +3155,7 @@
             </a:r>
             <a:r>
               <a:rPr lang="ko-KR" altLang="en-US" dirty="0" smtClean="0"/>
-              <a:t> 나눠야 </a:t>
-            </a:r>
-            <a:r>
-              <a:rPr lang="ko-KR" altLang="en-US" dirty="0" smtClean="0"/>
-              <a:t>한다</a:t>
+              <a:t> 나눠야 한다</a:t>
             </a:r>
             <a:r>
               <a:rPr lang="en-US" altLang="ko-KR" dirty="0" smtClean="0"/>
@@ -3201,7 +3193,6 @@
               <a:rPr lang="en-US" altLang="ko-KR" dirty="0" smtClean="0"/>
               <a:t>)</a:t>
             </a:r>
-            <a:endParaRPr lang="en-US" altLang="ko-KR" dirty="0" smtClean="0"/>
           </a:p>
           <a:p>
             <a:r>
@@ -3288,11 +3279,7 @@
             </a:r>
             <a:r>
               <a:rPr lang="ko-KR" altLang="en-US" dirty="0" smtClean="0"/>
-              <a:t>플레이어와 </a:t>
-            </a:r>
-            <a:r>
-              <a:rPr lang="ko-KR" altLang="en-US" dirty="0" smtClean="0"/>
-              <a:t>다른 </a:t>
+              <a:t>플레이어와 다른 </a:t>
             </a:r>
             <a:r>
               <a:rPr lang="ko-KR" altLang="en-US" dirty="0" err="1" smtClean="0"/>
@@ -3300,11 +3287,7 @@
             </a:r>
             <a:r>
               <a:rPr lang="ko-KR" altLang="en-US" dirty="0" smtClean="0"/>
-              <a:t> 충돌하고 </a:t>
-            </a:r>
-            <a:r>
-              <a:rPr lang="ko-KR" altLang="en-US" dirty="0" smtClean="0"/>
-              <a:t>있는 상태에서는 그 시간대로 이동할 수 없게 한다</a:t>
+              <a:t> 충돌하고 있는 상태에서는 그 시간대로 이동할 수 없게 한다</a:t>
             </a:r>
             <a:r>
               <a:rPr lang="en-US" altLang="ko-KR" dirty="0" smtClean="0"/>
@@ -3406,11 +3389,7 @@
             </a:r>
             <a:r>
               <a:rPr lang="ko-KR" altLang="en-US" dirty="0" smtClean="0"/>
-              <a:t> </a:t>
-            </a:r>
-            <a:r>
-              <a:rPr lang="ko-KR" altLang="en-US" dirty="0" smtClean="0"/>
-              <a:t>행동</a:t>
+              <a:t> 행동</a:t>
             </a:r>
             <a:r>
               <a:rPr lang="en-US" altLang="ko-KR" dirty="0" smtClean="0"/>
@@ -3513,7 +3492,6 @@
               <a:rPr lang="en-US" altLang="ko-KR" sz="2400" dirty="0" smtClean="0"/>
               <a:t>)</a:t>
             </a:r>
-            <a:endParaRPr lang="en-US" altLang="ko-KR" sz="2400" dirty="0" smtClean="0"/>
           </a:p>
           <a:p>
             <a:r>
@@ -3534,15 +3512,19 @@
             </a:r>
             <a:r>
               <a:rPr lang="en-US" altLang="ko-KR" sz="2400" dirty="0" smtClean="0"/>
-              <a:t>, c</a:t>
+              <a:t>, </a:t>
             </a:r>
             <a:r>
               <a:rPr lang="en-US" altLang="ko-KR" sz="2400" dirty="0" smtClean="0"/>
-              <a:t>trl</a:t>
+              <a:t>S</a:t>
             </a:r>
             <a:r>
               <a:rPr lang="ko-KR" altLang="en-US" sz="2400" dirty="0" smtClean="0"/>
-              <a:t>키를 누르고 있어야 한다</a:t>
+              <a:t>키를 </a:t>
+            </a:r>
+            <a:r>
+              <a:rPr lang="ko-KR" altLang="en-US" sz="2400" dirty="0" smtClean="0"/>
+              <a:t>누르고 있어야 한다</a:t>
             </a:r>
             <a:r>
               <a:rPr lang="en-US" altLang="ko-KR" sz="2400" dirty="0" smtClean="0"/>
@@ -3560,7 +3542,6 @@
               <a:rPr lang="en-US" altLang="ko-KR" sz="2400" dirty="0" smtClean="0"/>
               <a:t>)</a:t>
             </a:r>
-            <a:endParaRPr lang="en-US" altLang="ko-KR" sz="2400" dirty="0" smtClean="0"/>
           </a:p>
           <a:p>
             <a:r>
@@ -3636,45 +3617,6 @@
                 <a:srgbClr val="FF0000"/>
               </a:solidFill>
             </a:endParaRPr>
-          </a:p>
-          <a:p>
-            <a:r>
-              <a:rPr lang="ko-KR" altLang="en-US" sz="2400" dirty="0" smtClean="0">
-                <a:solidFill>
-                  <a:srgbClr val="FF0000"/>
-                </a:solidFill>
-              </a:rPr>
-              <a:t>숨기</a:t>
-            </a:r>
-            <a:r>
-              <a:rPr lang="en-US" altLang="ko-KR" sz="2400" dirty="0" smtClean="0"/>
-              <a:t>(</a:t>
-            </a:r>
-            <a:r>
-              <a:rPr lang="ko-KR" altLang="en-US" sz="2400" dirty="0" smtClean="0"/>
-              <a:t>특정 상호작용 오브젝트에 숨어있는 상태</a:t>
-            </a:r>
-            <a:r>
-              <a:rPr lang="en-US" altLang="ko-KR" sz="2400" dirty="0" smtClean="0"/>
-              <a:t>, </a:t>
-            </a:r>
-            <a:r>
-              <a:rPr lang="ko-KR" altLang="en-US" sz="2400" dirty="0" smtClean="0"/>
-              <a:t>숨을 수 있는 오브젝트 근처에서 상호작용 키를 누르면 숨기 상태로 변환된다</a:t>
-            </a:r>
-            <a:r>
-              <a:rPr lang="en-US" altLang="ko-KR" sz="2400" dirty="0" smtClean="0"/>
-              <a:t>. </a:t>
-            </a:r>
-            <a:r>
-              <a:rPr lang="ko-KR" altLang="en-US" sz="2400" dirty="0" smtClean="0"/>
-              <a:t>다시 키를 눌러야만 일반 상태로 돌아올 수 있다</a:t>
-            </a:r>
-            <a:r>
-              <a:rPr lang="en-US" altLang="ko-KR" sz="2400" dirty="0" smtClean="0"/>
-              <a:t>.)</a:t>
-            </a:r>
-            <a:endParaRPr lang="en-US" altLang="ko-KR" sz="2400" dirty="0"/>
           </a:p>
         </p:txBody>
       </p:sp>
@@ -3744,11 +3686,7 @@
             </a:r>
             <a:r>
               <a:rPr lang="ko-KR" altLang="en-US" dirty="0" smtClean="0"/>
-              <a:t> </a:t>
-            </a:r>
-            <a:r>
-              <a:rPr lang="ko-KR" altLang="en-US" dirty="0" smtClean="0"/>
-              <a:t>행동</a:t>
+              <a:t> 행동</a:t>
             </a:r>
             <a:r>
               <a:rPr lang="en-US" altLang="ko-KR" dirty="0"/>
@@ -3809,13 +3747,8 @@
             </a:r>
             <a:r>
               <a:rPr lang="en-US" altLang="ko-KR" sz="2400" dirty="0" smtClean="0"/>
-              <a:t>.</a:t>
-            </a:r>
-            <a:r>
-              <a:rPr lang="en-US" altLang="ko-KR" sz="2400" dirty="0" smtClean="0"/>
-              <a:t>)</a:t>
-            </a:r>
-            <a:endParaRPr lang="en-US" altLang="ko-KR" sz="2400" dirty="0" smtClean="0"/>
+              <a:t>.)</a:t>
+            </a:r>
           </a:p>
           <a:p>
             <a:r>
@@ -3832,11 +3765,7 @@
             </a:r>
             <a:r>
               <a:rPr lang="ko-KR" altLang="en-US" sz="2400" dirty="0" smtClean="0"/>
-              <a:t>벽 모서리에 </a:t>
-            </a:r>
-            <a:r>
-              <a:rPr lang="ko-KR" altLang="en-US" sz="2400" dirty="0" smtClean="0"/>
-              <a:t>매달리고 있는 상태</a:t>
+              <a:t>벽 모서리에 매달리고 있는 상태</a:t>
             </a:r>
             <a:r>
               <a:rPr lang="en-US" altLang="ko-KR" sz="2400" dirty="0" smtClean="0"/>
@@ -3872,13 +3801,8 @@
             </a:r>
             <a:r>
               <a:rPr lang="en-US" altLang="ko-KR" sz="2400" dirty="0" smtClean="0"/>
-              <a:t>.</a:t>
-            </a:r>
-            <a:r>
-              <a:rPr lang="en-US" altLang="ko-KR" sz="2400" dirty="0" smtClean="0"/>
-              <a:t>)</a:t>
-            </a:r>
-            <a:endParaRPr lang="en-US" altLang="ko-KR" sz="2400" dirty="0" smtClean="0"/>
+              <a:t>.)</a:t>
+            </a:r>
           </a:p>
           <a:p>
             <a:r>
@@ -3938,15 +3862,7 @@
                   <a:srgbClr val="FF0000"/>
                 </a:solidFill>
               </a:rPr>
-              <a:t>사다리 오르</a:t>
-            </a:r>
-            <a:r>
-              <a:rPr lang="ko-KR" altLang="en-US" sz="2400" dirty="0" smtClean="0">
-                <a:solidFill>
-                  <a:srgbClr val="FF0000"/>
-                </a:solidFill>
-              </a:rPr>
-              <a:t>내리기</a:t>
+              <a:t>사다리 오르내리기</a:t>
             </a:r>
             <a:r>
               <a:rPr lang="en-US" altLang="ko-KR" sz="2400" dirty="0" smtClean="0"/>
@@ -3976,7 +3892,6 @@
               <a:rPr lang="en-US" altLang="ko-KR" sz="2400" dirty="0"/>
               <a:t>.)</a:t>
             </a:r>
-            <a:endParaRPr lang="en-US" altLang="ko-KR" sz="2400" dirty="0"/>
           </a:p>
         </p:txBody>
       </p:sp>
@@ -4046,11 +3961,7 @@
             </a:r>
             <a:r>
               <a:rPr lang="ko-KR" altLang="en-US" dirty="0" smtClean="0"/>
-              <a:t> </a:t>
-            </a:r>
-            <a:r>
-              <a:rPr lang="ko-KR" altLang="en-US" dirty="0" smtClean="0"/>
-              <a:t>행동</a:t>
+              <a:t> 행동</a:t>
             </a:r>
             <a:r>
               <a:rPr lang="en-US" altLang="ko-KR" dirty="0"/>
@@ -4103,92 +4014,8 @@
             </a:r>
             <a:r>
               <a:rPr lang="en-US" altLang="ko-KR" sz="2400" dirty="0" smtClean="0"/>
-              <a:t>.</a:t>
-            </a:r>
-            <a:r>
-              <a:rPr lang="en-US" altLang="ko-KR" sz="2400" dirty="0" smtClean="0"/>
-              <a:t>)</a:t>
-            </a:r>
-            <a:endParaRPr lang="en-US" altLang="ko-KR" sz="2400" dirty="0" smtClean="0"/>
-          </a:p>
-          <a:p>
-            <a:r>
-              <a:rPr lang="ko-KR" altLang="en-US" sz="2400" dirty="0" smtClean="0">
-                <a:solidFill>
-                  <a:srgbClr val="FF0000"/>
-                </a:solidFill>
-              </a:rPr>
-              <a:t>구르기</a:t>
-            </a:r>
-            <a:r>
-              <a:rPr lang="en-US" altLang="ko-KR" sz="2400" dirty="0" smtClean="0"/>
-              <a:t>(</a:t>
-            </a:r>
-            <a:r>
-              <a:rPr lang="ko-KR" altLang="en-US" sz="2400" dirty="0" smtClean="0"/>
-              <a:t>빠르게 구른다</a:t>
-            </a:r>
-            <a:r>
-              <a:rPr lang="en-US" altLang="ko-KR" sz="2400" dirty="0" smtClean="0"/>
-              <a:t>, </a:t>
-            </a:r>
-            <a:r>
-              <a:rPr lang="ko-KR" altLang="en-US" sz="2400" dirty="0" smtClean="0"/>
-              <a:t>뛰기 상태에서 </a:t>
-            </a:r>
-            <a:r>
-              <a:rPr lang="en-US" altLang="ko-KR" sz="2400" dirty="0" smtClean="0"/>
-              <a:t>shift</a:t>
-            </a:r>
-            <a:r>
-              <a:rPr lang="ko-KR" altLang="en-US" sz="2400" dirty="0" smtClean="0"/>
-              <a:t>키를 누르면 구른다</a:t>
-            </a:r>
-            <a:r>
-              <a:rPr lang="en-US" altLang="ko-KR" sz="2400" dirty="0" smtClean="0"/>
-              <a:t>. </a:t>
-            </a:r>
-            <a:r>
-              <a:rPr lang="ko-KR" altLang="en-US" sz="2400" dirty="0" err="1" smtClean="0"/>
-              <a:t>충돌체가</a:t>
-            </a:r>
-            <a:r>
-              <a:rPr lang="ko-KR" altLang="en-US" sz="2400" dirty="0" smtClean="0"/>
-              <a:t> 줄어들고 이동속도가 빨라진다</a:t>
-            </a:r>
-            <a:r>
-              <a:rPr lang="en-US" altLang="ko-KR" sz="2400" dirty="0" smtClean="0"/>
-              <a:t>. </a:t>
-            </a:r>
-            <a:r>
-              <a:rPr lang="ko-KR" altLang="en-US" sz="2400" dirty="0" smtClean="0"/>
-              <a:t>하지만 구르기가 끝난 후 잠시 동안 경직된다</a:t>
-            </a:r>
-            <a:r>
-              <a:rPr lang="en-US" altLang="ko-KR" sz="2400" dirty="0" smtClean="0"/>
-              <a:t>. </a:t>
-            </a:r>
-            <a:r>
-              <a:rPr lang="ko-KR" altLang="en-US" sz="2400" dirty="0" smtClean="0"/>
-              <a:t>또한 적들 시야 </a:t>
-            </a:r>
-            <a:r>
-              <a:rPr lang="en-US" altLang="ko-KR" sz="2400" dirty="0" smtClean="0"/>
-              <a:t>ray</a:t>
-            </a:r>
-            <a:r>
-              <a:rPr lang="ko-KR" altLang="en-US" sz="2400" dirty="0" smtClean="0"/>
-              <a:t>에 맞지 않게 된다</a:t>
-            </a:r>
-            <a:r>
-              <a:rPr lang="en-US" altLang="ko-KR" sz="2400" dirty="0" smtClean="0"/>
-              <a:t>.</a:t>
-            </a:r>
-            <a:r>
-              <a:rPr lang="en-US" altLang="ko-KR" sz="2400" dirty="0" smtClean="0"/>
-              <a:t>)</a:t>
-            </a:r>
-            <a:endParaRPr lang="en-US" altLang="ko-KR" sz="2400" dirty="0" smtClean="0"/>
+              <a:t>.)</a:t>
+            </a:r>
           </a:p>
           <a:p>
             <a:r>
@@ -4284,11 +4111,7 @@
             </a:r>
             <a:r>
               <a:rPr lang="en-US" altLang="ko-KR" sz="2400" dirty="0" smtClean="0"/>
-              <a:t>.</a:t>
-            </a:r>
-            <a:r>
-              <a:rPr lang="en-US" altLang="ko-KR" sz="2400" dirty="0" smtClean="0"/>
-              <a:t>)</a:t>
+              <a:t>.)</a:t>
             </a:r>
             <a:endParaRPr lang="en-US" altLang="ko-KR" sz="2400" dirty="0"/>
           </a:p>
